--- a/10|2-6/2023-10-3/goi-current.pptx
+++ b/10|2-6/2023-10-3/goi-current.pptx
@@ -2144,7 +2144,7 @@
                   <a:srgbClr val="000000"/>
                 </a:solidFill>
               </a:rPr>
-              <a:t>タンパク質</a:t>
+              <a:t>軈て</a:t>
             </a:r>
             <a:endParaRPr lang="en-US" sz="4800" dirty="0"/>
           </a:p>
@@ -2158,7 +2158,7 @@
                   <a:srgbClr val="000000"/>
                 </a:solidFill>
               </a:rPr>
-              <a:t>タンパクしつ</a:t>
+              <a:t>やがて</a:t>
             </a:r>
             <a:endParaRPr lang="en-US" sz="4800" dirty="0"/>
           </a:p>
@@ -2194,7 +2194,7 @@
                   <a:srgbClr val="000000"/>
                 </a:solidFill>
               </a:rPr>
-              <a:t>protein...</a:t>
+              <a:t>before long, soon, shortly | almost, nearly | finally, in the end, eventually...</a:t>
             </a:r>
             <a:endParaRPr lang="en-US" sz="3600" dirty="0"/>
           </a:p>
@@ -2230,7 +2230,7 @@
                   <a:srgbClr val="000000"/>
                 </a:solidFill>
               </a:rPr>
-              <a:t>481-495</a:t>
+              <a:t>466-480</a:t>
             </a:r>
             <a:endParaRPr lang="en-US" sz="2400" dirty="0"/>
           </a:p>
@@ -2291,7 +2291,7 @@
                   <a:srgbClr val="000000"/>
                 </a:solidFill>
               </a:rPr>
-              <a:t>形成</a:t>
+              <a:t>好奇</a:t>
             </a:r>
             <a:endParaRPr lang="en-US" sz="4800" dirty="0"/>
           </a:p>
@@ -2305,7 +2305,7 @@
                   <a:srgbClr val="000000"/>
                 </a:solidFill>
               </a:rPr>
-              <a:t>けいせい</a:t>
+              <a:t>こうき</a:t>
             </a:r>
             <a:endParaRPr lang="en-US" sz="4800" dirty="0"/>
           </a:p>
@@ -2341,7 +2341,7 @@
                   <a:srgbClr val="000000"/>
                 </a:solidFill>
               </a:rPr>
-              <a:t>formation, molding, making up, taking form, giving form to | repair (e.g. plastic surgery), replacement, -plasty...</a:t>
+              <a:t>inquisitiveness...</a:t>
             </a:r>
             <a:endParaRPr lang="en-US" sz="3600" dirty="0"/>
           </a:p>
@@ -2377,7 +2377,7 @@
                   <a:srgbClr val="000000"/>
                 </a:solidFill>
               </a:rPr>
-              <a:t>481-495</a:t>
+              <a:t>466-480</a:t>
             </a:r>
             <a:endParaRPr lang="en-US" sz="2400" dirty="0"/>
           </a:p>
@@ -2438,7 +2438,7 @@
                   <a:srgbClr val="000000"/>
                 </a:solidFill>
               </a:rPr>
-              <a:t>役に立つ</a:t>
+              <a:t>個体</a:t>
             </a:r>
             <a:endParaRPr lang="en-US" sz="4800" dirty="0"/>
           </a:p>
@@ -2452,7 +2452,7 @@
                   <a:srgbClr val="000000"/>
                 </a:solidFill>
               </a:rPr>
-              <a:t>やくにたつ</a:t>
+              <a:t>こたい</a:t>
             </a:r>
             <a:endParaRPr lang="en-US" sz="4800" dirty="0"/>
           </a:p>
@@ -2488,7 +2488,7 @@
                   <a:srgbClr val="000000"/>
                 </a:solidFill>
               </a:rPr>
-              <a:t>to be helpful, to be useful...</a:t>
+              <a:t>individual, specimen...</a:t>
             </a:r>
             <a:endParaRPr lang="en-US" sz="3600" dirty="0"/>
           </a:p>
@@ -2524,7 +2524,7 @@
                   <a:srgbClr val="000000"/>
                 </a:solidFill>
               </a:rPr>
-              <a:t>481-495</a:t>
+              <a:t>466-480</a:t>
             </a:r>
             <a:endParaRPr lang="en-US" sz="2400" dirty="0"/>
           </a:p>
@@ -2585,7 +2585,7 @@
                   <a:srgbClr val="000000"/>
                 </a:solidFill>
               </a:rPr>
-              <a:t>確か</a:t>
+              <a:t>下げる</a:t>
             </a:r>
             <a:endParaRPr lang="en-US" sz="4800" dirty="0"/>
           </a:p>
@@ -2599,7 +2599,7 @@
                   <a:srgbClr val="000000"/>
                 </a:solidFill>
               </a:rPr>
-              <a:t>たしか</a:t>
+              <a:t>さげる</a:t>
             </a:r>
             <a:endParaRPr lang="en-US" sz="4800" dirty="0"/>
           </a:p>
@@ -2635,7 +2635,7 @@
                   <a:srgbClr val="000000"/>
                 </a:solidFill>
               </a:rPr>
-              <a:t>sure, certain, positive, definite | reliable, trustworthy, safe, sound, firm, accurate, correct, exact | If I'm not mista...</a:t>
+              <a:t>to hang, to suspend, to wear (e.g. decoration) | to lower, to reduce, to bring down | to demote, to move back, to pull ba...</a:t>
             </a:r>
             <a:endParaRPr lang="en-US" sz="3600" dirty="0"/>
           </a:p>
@@ -2671,7 +2671,7 @@
                   <a:srgbClr val="000000"/>
                 </a:solidFill>
               </a:rPr>
-              <a:t>481-495</a:t>
+              <a:t>466-480</a:t>
             </a:r>
             <a:endParaRPr lang="en-US" sz="2400" dirty="0"/>
           </a:p>
@@ -2732,7 +2732,7 @@
                   <a:srgbClr val="000000"/>
                 </a:solidFill>
               </a:rPr>
-              <a:t>学力</a:t>
+              <a:t>住宅</a:t>
             </a:r>
             <a:endParaRPr lang="en-US" sz="4800" dirty="0"/>
           </a:p>
@@ -2746,7 +2746,7 @@
                   <a:srgbClr val="000000"/>
                 </a:solidFill>
               </a:rPr>
-              <a:t>がくりょく</a:t>
+              <a:t>じゅうたく</a:t>
             </a:r>
             <a:endParaRPr lang="en-US" sz="4800" dirty="0"/>
           </a:p>
@@ -2782,7 +2782,7 @@
                   <a:srgbClr val="000000"/>
                 </a:solidFill>
               </a:rPr>
-              <a:t>scholarly ability, scholarship, knowledge, literary ability...</a:t>
+              <a:t>residence, housing, residential building...</a:t>
             </a:r>
             <a:endParaRPr lang="en-US" sz="3600" dirty="0"/>
           </a:p>
@@ -2818,7 +2818,7 @@
                   <a:srgbClr val="000000"/>
                 </a:solidFill>
               </a:rPr>
-              <a:t>481-495</a:t>
+              <a:t>466-480</a:t>
             </a:r>
             <a:endParaRPr lang="en-US" sz="2400" dirty="0"/>
           </a:p>
@@ -2879,7 +2879,7 @@
                   <a:srgbClr val="000000"/>
                 </a:solidFill>
               </a:rPr>
-              <a:t>面</a:t>
+              <a:t>進行</a:t>
             </a:r>
             <a:endParaRPr lang="en-US" sz="4800" dirty="0"/>
           </a:p>
@@ -2893,7 +2893,7 @@
                   <a:srgbClr val="000000"/>
                 </a:solidFill>
               </a:rPr>
-              <a:t>めん</a:t>
+              <a:t>しんこう</a:t>
             </a:r>
             <a:endParaRPr lang="en-US" sz="4800" dirty="0"/>
           </a:p>
@@ -2929,7 +2929,7 @@
                   <a:srgbClr val="000000"/>
                 </a:solidFill>
               </a:rPr>
-              <a:t>face | mask, face guard | (in kendo) striking the head | surface (esp. a geometrical surface) | page | aspect, facet, sid...</a:t>
+              <a:t>moving forward (e.g. vehicle), onward movement | advance (work, procedure, etc.), advancement, progress | progress (of a ...</a:t>
             </a:r>
             <a:endParaRPr lang="en-US" sz="3600" dirty="0"/>
           </a:p>
@@ -2965,7 +2965,7 @@
                   <a:srgbClr val="000000"/>
                 </a:solidFill>
               </a:rPr>
-              <a:t>481-495</a:t>
+              <a:t>466-480</a:t>
             </a:r>
             <a:endParaRPr lang="en-US" sz="2400" dirty="0"/>
           </a:p>
@@ -3026,7 +3026,7 @@
                   <a:srgbClr val="000000"/>
                 </a:solidFill>
               </a:rPr>
-              <a:t>性</a:t>
+              <a:t>西洋</a:t>
             </a:r>
             <a:endParaRPr lang="en-US" sz="4800" dirty="0"/>
           </a:p>
@@ -3040,7 +3040,7 @@
                   <a:srgbClr val="000000"/>
                 </a:solidFill>
               </a:rPr>
-              <a:t>せい</a:t>
+              <a:t>せいよう</a:t>
             </a:r>
             <a:endParaRPr lang="en-US" sz="4800" dirty="0"/>
           </a:p>
@@ -3076,7 +3076,7 @@
                   <a:srgbClr val="000000"/>
                 </a:solidFill>
               </a:rPr>
-              <a:t>nature (of a person) | sex, gender | sex (i.e. sexual attraction, activity, etc.) | gender | -ty, -ity, -ness, -cy...</a:t>
+              <a:t>the West, the Occident, Western countries...</a:t>
             </a:r>
             <a:endParaRPr lang="en-US" sz="3600" dirty="0"/>
           </a:p>
@@ -3112,7 +3112,7 @@
                   <a:srgbClr val="000000"/>
                 </a:solidFill>
               </a:rPr>
-              <a:t>481-495</a:t>
+              <a:t>466-480</a:t>
             </a:r>
             <a:endParaRPr lang="en-US" sz="2400" dirty="0"/>
           </a:p>
@@ -3173,7 +3173,7 @@
                   <a:srgbClr val="000000"/>
                 </a:solidFill>
               </a:rPr>
-              <a:t>適応</a:t>
+              <a:t>林業</a:t>
             </a:r>
             <a:endParaRPr lang="en-US" sz="4800" dirty="0"/>
           </a:p>
@@ -3187,7 +3187,7 @@
                   <a:srgbClr val="000000"/>
                 </a:solidFill>
               </a:rPr>
-              <a:t>てきおう</a:t>
+              <a:t>りんぎょう</a:t>
             </a:r>
             <a:endParaRPr lang="en-US" sz="4800" dirty="0"/>
           </a:p>
@@ -3223,7 +3223,7 @@
                   <a:srgbClr val="000000"/>
                 </a:solidFill>
               </a:rPr>
-              <a:t>adaptation, accommodation, conformity...</a:t>
+              <a:t>forestry...</a:t>
             </a:r>
             <a:endParaRPr lang="en-US" sz="3600" dirty="0"/>
           </a:p>
@@ -3259,7 +3259,7 @@
                   <a:srgbClr val="000000"/>
                 </a:solidFill>
               </a:rPr>
-              <a:t>481-495</a:t>
+              <a:t>466-480</a:t>
             </a:r>
             <a:endParaRPr lang="en-US" sz="2400" dirty="0"/>
           </a:p>
@@ -3320,7 +3320,7 @@
                   <a:srgbClr val="000000"/>
                 </a:solidFill>
               </a:rPr>
-              <a:t>犯罪</a:t>
+              <a:t>毒</a:t>
             </a:r>
             <a:endParaRPr lang="en-US" sz="4800" dirty="0"/>
           </a:p>
@@ -3334,7 +3334,7 @@
                   <a:srgbClr val="000000"/>
                 </a:solidFill>
               </a:rPr>
-              <a:t>はんざい</a:t>
+              <a:t>どく</a:t>
             </a:r>
             <a:endParaRPr lang="en-US" sz="4800" dirty="0"/>
           </a:p>
@@ -3370,7 +3370,7 @@
                   <a:srgbClr val="000000"/>
                 </a:solidFill>
               </a:rPr>
-              <a:t>crime, offence, offense...</a:t>
+              <a:t>poison, toxicant | harm, evil influence | ill will, spite, malice | abusive language...</a:t>
             </a:r>
             <a:endParaRPr lang="en-US" sz="3600" dirty="0"/>
           </a:p>
@@ -3406,7 +3406,7 @@
                   <a:srgbClr val="000000"/>
                 </a:solidFill>
               </a:rPr>
-              <a:t>481-495</a:t>
+              <a:t>466-480</a:t>
             </a:r>
             <a:endParaRPr lang="en-US" sz="2400" dirty="0"/>
           </a:p>
@@ -3467,7 +3467,7 @@
                   <a:srgbClr val="000000"/>
                 </a:solidFill>
               </a:rPr>
-              <a:t>本質</a:t>
+              <a:t>獲物</a:t>
             </a:r>
             <a:endParaRPr lang="en-US" sz="4800" dirty="0"/>
           </a:p>
@@ -3481,7 +3481,7 @@
                   <a:srgbClr val="000000"/>
                 </a:solidFill>
               </a:rPr>
-              <a:t>ほんしつ</a:t>
+              <a:t>えもの</a:t>
             </a:r>
             <a:endParaRPr lang="en-US" sz="4800" dirty="0"/>
           </a:p>
@@ -3517,7 +3517,7 @@
                   <a:srgbClr val="000000"/>
                 </a:solidFill>
               </a:rPr>
-              <a:t>essence, true nature, substance, reality...</a:t>
+              <a:t>prey, catch, kill, game | spoils, trophy, loot, plunder...</a:t>
             </a:r>
             <a:endParaRPr lang="en-US" sz="3600" dirty="0"/>
           </a:p>
@@ -3553,7 +3553,7 @@
                   <a:srgbClr val="000000"/>
                 </a:solidFill>
               </a:rPr>
-              <a:t>481-495</a:t>
+              <a:t>466-480</a:t>
             </a:r>
             <a:endParaRPr lang="en-US" sz="2400" dirty="0"/>
           </a:p>
@@ -3614,7 +3614,7 @@
                   <a:srgbClr val="000000"/>
                 </a:solidFill>
               </a:rPr>
-              <a:t>まあ</a:t>
+              <a:t>嗅ぐ</a:t>
             </a:r>
             <a:endParaRPr lang="en-US" sz="4800" dirty="0"/>
           </a:p>
@@ -3628,7 +3628,7 @@
                   <a:srgbClr val="000000"/>
                 </a:solidFill>
               </a:rPr>
-              <a:t>undefined</a:t>
+              <a:t>かぐ</a:t>
             </a:r>
             <a:endParaRPr lang="en-US" sz="4800" dirty="0"/>
           </a:p>
@@ -3664,7 +3664,7 @@
                   <a:srgbClr val="000000"/>
                 </a:solidFill>
               </a:rPr>
-              <a:t>just (e.g. ""just wait here""), come now, now, now | tolerably, passably, moderately, reasonably, fairly, rather, somewha...</a:t>
+              <a:t>to sniff, to smell...</a:t>
             </a:r>
             <a:endParaRPr lang="en-US" sz="3600" dirty="0"/>
           </a:p>
@@ -3700,7 +3700,7 @@
                   <a:srgbClr val="000000"/>
                 </a:solidFill>
               </a:rPr>
-              <a:t>481-495</a:t>
+              <a:t>466-480</a:t>
             </a:r>
             <a:endParaRPr lang="en-US" sz="2400" dirty="0"/>
           </a:p>
@@ -3761,7 +3761,7 @@
                   <a:srgbClr val="000000"/>
                 </a:solidFill>
               </a:rPr>
-              <a:t>形式</a:t>
+              <a:t>獲得</a:t>
             </a:r>
             <a:endParaRPr lang="en-US" sz="4800" dirty="0"/>
           </a:p>
@@ -3775,7 +3775,7 @@
                   <a:srgbClr val="000000"/>
                 </a:solidFill>
               </a:rPr>
-              <a:t>けいしき</a:t>
+              <a:t>かくとく</a:t>
             </a:r>
             <a:endParaRPr lang="en-US" sz="4800" dirty="0"/>
           </a:p>
@@ -3811,7 +3811,7 @@
                   <a:srgbClr val="000000"/>
                 </a:solidFill>
               </a:rPr>
-              <a:t>form (as opposed to substance) | format, form, style, manner | formality, form | mode, form | form (bilinear, quadratic, ...</a:t>
+              <a:t>acquisition, possession...</a:t>
             </a:r>
             <a:endParaRPr lang="en-US" sz="3600" dirty="0"/>
           </a:p>
@@ -3847,7 +3847,7 @@
                   <a:srgbClr val="000000"/>
                 </a:solidFill>
               </a:rPr>
-              <a:t>481-495</a:t>
+              <a:t>466-480</a:t>
             </a:r>
             <a:endParaRPr lang="en-US" sz="2400" dirty="0"/>
           </a:p>
@@ -3908,7 +3908,7 @@
                   <a:srgbClr val="000000"/>
                 </a:solidFill>
               </a:rPr>
-              <a:t>テーマ</a:t>
+              <a:t>活性</a:t>
             </a:r>
             <a:endParaRPr lang="en-US" sz="4800" dirty="0"/>
           </a:p>
@@ -3922,7 +3922,7 @@
                   <a:srgbClr val="000000"/>
                 </a:solidFill>
               </a:rPr>
-              <a:t>undefined</a:t>
+              <a:t>かっせい</a:t>
             </a:r>
             <a:endParaRPr lang="en-US" sz="4800" dirty="0"/>
           </a:p>
@@ -3958,7 +3958,7 @@
                   <a:srgbClr val="000000"/>
                 </a:solidFill>
               </a:rPr>
-              <a:t>theme, topic, subject matter, motif, project, slogan...</a:t>
+              <a:t>active...</a:t>
             </a:r>
             <a:endParaRPr lang="en-US" sz="3600" dirty="0"/>
           </a:p>
@@ -3994,7 +3994,7 @@
                   <a:srgbClr val="000000"/>
                 </a:solidFill>
               </a:rPr>
-              <a:t>481-495</a:t>
+              <a:t>466-480</a:t>
             </a:r>
             <a:endParaRPr lang="en-US" sz="2400" dirty="0"/>
           </a:p>
@@ -4055,7 +4055,7 @@
                   <a:srgbClr val="000000"/>
                 </a:solidFill>
               </a:rPr>
-              <a:t>平成</a:t>
+              <a:t>期限</a:t>
             </a:r>
             <a:endParaRPr lang="en-US" sz="4800" dirty="0"/>
           </a:p>
@@ -4069,7 +4069,7 @@
                   <a:srgbClr val="000000"/>
                 </a:solidFill>
               </a:rPr>
-              <a:t>へいせい</a:t>
+              <a:t>きげん</a:t>
             </a:r>
             <a:endParaRPr lang="en-US" sz="4800" dirty="0"/>
           </a:p>
@@ -4105,7 +4105,7 @@
                   <a:srgbClr val="000000"/>
                 </a:solidFill>
               </a:rPr>
-              <a:t>Heisei era (1989.1.8-2019.4.30)...</a:t>
+              <a:t>term, period, time frame | time limit, deadline, cutoff (date)...</a:t>
             </a:r>
             <a:endParaRPr lang="en-US" sz="3600" dirty="0"/>
           </a:p>
@@ -4141,7 +4141,7 @@
                   <a:srgbClr val="000000"/>
                 </a:solidFill>
               </a:rPr>
-              <a:t>481-495</a:t>
+              <a:t>466-480</a:t>
             </a:r>
             <a:endParaRPr lang="en-US" sz="2400" dirty="0"/>
           </a:p>
@@ -4202,7 +4202,7 @@
                   <a:srgbClr val="000000"/>
                 </a:solidFill>
               </a:rPr>
-              <a:t>年度</a:t>
+              <a:t>業者</a:t>
             </a:r>
             <a:endParaRPr lang="en-US" sz="4800" dirty="0"/>
           </a:p>
@@ -4216,7 +4216,7 @@
                   <a:srgbClr val="000000"/>
                 </a:solidFill>
               </a:rPr>
-              <a:t>ねんど</a:t>
+              <a:t>ぎょうしゃ</a:t>
             </a:r>
             <a:endParaRPr lang="en-US" sz="4800" dirty="0"/>
           </a:p>
@@ -4252,7 +4252,7 @@
                   <a:srgbClr val="000000"/>
                 </a:solidFill>
               </a:rPr>
-              <a:t>fiscal year (usu. April 1 to March 31 in Japan), financial year | academic year, school year | product year...</a:t>
+              <a:t>trader, dealer, businessperson, company, vendor, supplier, manufacturer, maker, contractor | fellow trader, people in the...</a:t>
             </a:r>
             <a:endParaRPr lang="en-US" sz="3600" dirty="0"/>
           </a:p>
@@ -4288,7 +4288,7 @@
                   <a:srgbClr val="000000"/>
                 </a:solidFill>
               </a:rPr>
-              <a:t>481-495</a:t>
+              <a:t>466-480</a:t>
             </a:r>
             <a:endParaRPr lang="en-US" sz="2400" dirty="0"/>
           </a:p>

--- a/10|2-6/2023-10-3/goi-current.pptx
+++ b/10|2-6/2023-10-3/goi-current.pptx
@@ -2122,6 +2122,42 @@
         </p:nvSpPr>
         <p:spPr>
           <a:xfrm>
+            <a:off x="0" y="548640"/>
+            <a:ext cx="9144000" cy="1828800"/>
+          </a:xfrm>
+          <a:prstGeom prst="rect">
+            <a:avLst/>
+          </a:prstGeom>
+          <a:noFill/>
+          <a:ln/>
+        </p:spPr>
+        <p:txBody>
+          <a:bodyPr wrap="square" rtlCol="0" anchor="ctr"/>
+          <a:lstStyle/>
+          <a:p>
+            <a:pPr algn="ctr" indent="0" marL="0">
+              <a:buNone/>
+            </a:pPr>
+            <a:r>
+              <a:rPr lang="en-US" sz="4800" dirty="0">
+                <a:solidFill>
+                  <a:srgbClr val="000000"/>
+                </a:solidFill>
+              </a:rPr>
+              <a:t>軈て</a:t>
+            </a:r>
+            <a:endParaRPr lang="en-US" sz="4800" dirty="0"/>
+          </a:p>
+        </p:txBody>
+      </p:sp>
+      <p:sp>
+        <p:nvSpPr>
+          <p:cNvPr id="3" name="Text 1"/>
+          <p:cNvSpPr/>
+          <p:nvPr/>
+        </p:nvSpPr>
+        <p:spPr>
+          <a:xfrm>
             <a:off x="0" y="914400"/>
             <a:ext cx="9144000" cy="1828800"/>
           </a:xfrm>
@@ -2138,35 +2174,33 @@
             <a:pPr algn="ctr" indent="0" marL="0">
               <a:buNone/>
             </a:pPr>
-            <a:r>
-              <a:rPr lang="en-US" sz="4800" dirty="0">
-                <a:solidFill>
-                  <a:srgbClr val="000000"/>
-                </a:solidFill>
-              </a:rPr>
-              <a:t>軈て</a:t>
-            </a:r>
-            <a:endParaRPr lang="en-US" sz="4800" dirty="0"/>
-          </a:p>
-          <a:p>
-            <a:pPr algn="ctr" indent="0" marL="0">
-              <a:buNone/>
-            </a:pPr>
-            <a:r>
-              <a:rPr lang="en-US" sz="4800" dirty="0">
-                <a:solidFill>
-                  <a:srgbClr val="000000"/>
+            <a:endParaRPr lang="en-US" sz="3600" dirty="0"/>
+          </a:p>
+          <a:p>
+            <a:pPr algn="ctr" indent="0" marL="0">
+              <a:buNone/>
+            </a:pPr>
+            <a:endParaRPr lang="en-US" sz="3600" dirty="0"/>
+          </a:p>
+          <a:p>
+            <a:pPr algn="ctr" indent="0" marL="0">
+              <a:buNone/>
+            </a:pPr>
+            <a:r>
+              <a:rPr lang="en-US" sz="3600" dirty="0">
+                <a:solidFill>
+                  <a:srgbClr val="404040"/>
                 </a:solidFill>
               </a:rPr>
               <a:t>やがて</a:t>
             </a:r>
-            <a:endParaRPr lang="en-US" sz="4800" dirty="0"/>
-          </a:p>
-        </p:txBody>
-      </p:sp>
-      <p:sp>
-        <p:nvSpPr>
-          <p:cNvPr id="3" name="Text 1"/>
+            <a:endParaRPr lang="en-US" sz="3600" dirty="0"/>
+          </a:p>
+        </p:txBody>
+      </p:sp>
+      <p:sp>
+        <p:nvSpPr>
+          <p:cNvPr id="4" name="Text 2"/>
           <p:cNvSpPr/>
           <p:nvPr/>
         </p:nvSpPr>
@@ -2191,7 +2225,7 @@
             <a:r>
               <a:rPr lang="en-US" sz="3600" dirty="0">
                 <a:solidFill>
-                  <a:srgbClr val="000000"/>
+                  <a:srgbClr val="808080"/>
                 </a:solidFill>
               </a:rPr>
               <a:t>before long, soon, shortly | almost, nearly | finally, in the end, eventually...</a:t>
@@ -2202,32 +2236,32 @@
       </p:sp>
       <p:sp>
         <p:nvSpPr>
-          <p:cNvPr id="4" name="Text 2"/>
-          <p:cNvSpPr/>
-          <p:nvPr/>
-        </p:nvSpPr>
-        <p:spPr>
-          <a:xfrm>
-            <a:off x="0" y="4572000"/>
-            <a:ext cx="7315200" cy="1828800"/>
-          </a:xfrm>
-          <a:prstGeom prst="rect">
-            <a:avLst/>
-          </a:prstGeom>
-          <a:noFill/>
-          <a:ln/>
-        </p:spPr>
-        <p:txBody>
-          <a:bodyPr wrap="square" rtlCol="0" anchor="ctr"/>
-          <a:lstStyle/>
-          <a:p>
-            <a:pPr algn="l" indent="0" marL="0">
+          <p:cNvPr id="5" name="Text 3"/>
+          <p:cNvSpPr/>
+          <p:nvPr/>
+        </p:nvSpPr>
+        <p:spPr>
+          <a:xfrm>
+            <a:off x="0" y="3657600"/>
+            <a:ext cx="8686800" cy="1828800"/>
+          </a:xfrm>
+          <a:prstGeom prst="rect">
+            <a:avLst/>
+          </a:prstGeom>
+          <a:noFill/>
+          <a:ln/>
+        </p:spPr>
+        <p:txBody>
+          <a:bodyPr wrap="square" rtlCol="0" anchor="ctr"/>
+          <a:lstStyle/>
+          <a:p>
+            <a:pPr algn="r" indent="0" marL="0">
               <a:buNone/>
             </a:pPr>
             <a:r>
               <a:rPr lang="en-US" sz="2400" dirty="0">
                 <a:solidFill>
-                  <a:srgbClr val="000000"/>
+                  <a:srgbClr val="808080"/>
                 </a:solidFill>
               </a:rPr>
               <a:t>466-480</a:t>
@@ -2269,6 +2303,42 @@
         </p:nvSpPr>
         <p:spPr>
           <a:xfrm>
+            <a:off x="0" y="548640"/>
+            <a:ext cx="9144000" cy="1828800"/>
+          </a:xfrm>
+          <a:prstGeom prst="rect">
+            <a:avLst/>
+          </a:prstGeom>
+          <a:noFill/>
+          <a:ln/>
+        </p:spPr>
+        <p:txBody>
+          <a:bodyPr wrap="square" rtlCol="0" anchor="ctr"/>
+          <a:lstStyle/>
+          <a:p>
+            <a:pPr algn="ctr" indent="0" marL="0">
+              <a:buNone/>
+            </a:pPr>
+            <a:r>
+              <a:rPr lang="en-US" sz="4800" dirty="0">
+                <a:solidFill>
+                  <a:srgbClr val="000000"/>
+                </a:solidFill>
+              </a:rPr>
+              <a:t>好奇</a:t>
+            </a:r>
+            <a:endParaRPr lang="en-US" sz="4800" dirty="0"/>
+          </a:p>
+        </p:txBody>
+      </p:sp>
+      <p:sp>
+        <p:nvSpPr>
+          <p:cNvPr id="3" name="Text 1"/>
+          <p:cNvSpPr/>
+          <p:nvPr/>
+        </p:nvSpPr>
+        <p:spPr>
+          <a:xfrm>
             <a:off x="0" y="914400"/>
             <a:ext cx="9144000" cy="1828800"/>
           </a:xfrm>
@@ -2285,35 +2355,33 @@
             <a:pPr algn="ctr" indent="0" marL="0">
               <a:buNone/>
             </a:pPr>
-            <a:r>
-              <a:rPr lang="en-US" sz="4800" dirty="0">
-                <a:solidFill>
-                  <a:srgbClr val="000000"/>
-                </a:solidFill>
-              </a:rPr>
-              <a:t>好奇</a:t>
-            </a:r>
-            <a:endParaRPr lang="en-US" sz="4800" dirty="0"/>
-          </a:p>
-          <a:p>
-            <a:pPr algn="ctr" indent="0" marL="0">
-              <a:buNone/>
-            </a:pPr>
-            <a:r>
-              <a:rPr lang="en-US" sz="4800" dirty="0">
-                <a:solidFill>
-                  <a:srgbClr val="000000"/>
+            <a:endParaRPr lang="en-US" sz="3600" dirty="0"/>
+          </a:p>
+          <a:p>
+            <a:pPr algn="ctr" indent="0" marL="0">
+              <a:buNone/>
+            </a:pPr>
+            <a:endParaRPr lang="en-US" sz="3600" dirty="0"/>
+          </a:p>
+          <a:p>
+            <a:pPr algn="ctr" indent="0" marL="0">
+              <a:buNone/>
+            </a:pPr>
+            <a:r>
+              <a:rPr lang="en-US" sz="3600" dirty="0">
+                <a:solidFill>
+                  <a:srgbClr val="404040"/>
                 </a:solidFill>
               </a:rPr>
               <a:t>こうき</a:t>
             </a:r>
-            <a:endParaRPr lang="en-US" sz="4800" dirty="0"/>
-          </a:p>
-        </p:txBody>
-      </p:sp>
-      <p:sp>
-        <p:nvSpPr>
-          <p:cNvPr id="3" name="Text 1"/>
+            <a:endParaRPr lang="en-US" sz="3600" dirty="0"/>
+          </a:p>
+        </p:txBody>
+      </p:sp>
+      <p:sp>
+        <p:nvSpPr>
+          <p:cNvPr id="4" name="Text 2"/>
           <p:cNvSpPr/>
           <p:nvPr/>
         </p:nvSpPr>
@@ -2338,7 +2406,7 @@
             <a:r>
               <a:rPr lang="en-US" sz="3600" dirty="0">
                 <a:solidFill>
-                  <a:srgbClr val="000000"/>
+                  <a:srgbClr val="808080"/>
                 </a:solidFill>
               </a:rPr>
               <a:t>inquisitiveness...</a:t>
@@ -2349,32 +2417,32 @@
       </p:sp>
       <p:sp>
         <p:nvSpPr>
-          <p:cNvPr id="4" name="Text 2"/>
-          <p:cNvSpPr/>
-          <p:nvPr/>
-        </p:nvSpPr>
-        <p:spPr>
-          <a:xfrm>
-            <a:off x="0" y="4572000"/>
-            <a:ext cx="7315200" cy="1828800"/>
-          </a:xfrm>
-          <a:prstGeom prst="rect">
-            <a:avLst/>
-          </a:prstGeom>
-          <a:noFill/>
-          <a:ln/>
-        </p:spPr>
-        <p:txBody>
-          <a:bodyPr wrap="square" rtlCol="0" anchor="ctr"/>
-          <a:lstStyle/>
-          <a:p>
-            <a:pPr algn="l" indent="0" marL="0">
+          <p:cNvPr id="5" name="Text 3"/>
+          <p:cNvSpPr/>
+          <p:nvPr/>
+        </p:nvSpPr>
+        <p:spPr>
+          <a:xfrm>
+            <a:off x="0" y="3657600"/>
+            <a:ext cx="8686800" cy="1828800"/>
+          </a:xfrm>
+          <a:prstGeom prst="rect">
+            <a:avLst/>
+          </a:prstGeom>
+          <a:noFill/>
+          <a:ln/>
+        </p:spPr>
+        <p:txBody>
+          <a:bodyPr wrap="square" rtlCol="0" anchor="ctr"/>
+          <a:lstStyle/>
+          <a:p>
+            <a:pPr algn="r" indent="0" marL="0">
               <a:buNone/>
             </a:pPr>
             <a:r>
               <a:rPr lang="en-US" sz="2400" dirty="0">
                 <a:solidFill>
-                  <a:srgbClr val="000000"/>
+                  <a:srgbClr val="808080"/>
                 </a:solidFill>
               </a:rPr>
               <a:t>466-480</a:t>
@@ -2416,6 +2484,42 @@
         </p:nvSpPr>
         <p:spPr>
           <a:xfrm>
+            <a:off x="0" y="548640"/>
+            <a:ext cx="9144000" cy="1828800"/>
+          </a:xfrm>
+          <a:prstGeom prst="rect">
+            <a:avLst/>
+          </a:prstGeom>
+          <a:noFill/>
+          <a:ln/>
+        </p:spPr>
+        <p:txBody>
+          <a:bodyPr wrap="square" rtlCol="0" anchor="ctr"/>
+          <a:lstStyle/>
+          <a:p>
+            <a:pPr algn="ctr" indent="0" marL="0">
+              <a:buNone/>
+            </a:pPr>
+            <a:r>
+              <a:rPr lang="en-US" sz="4800" dirty="0">
+                <a:solidFill>
+                  <a:srgbClr val="000000"/>
+                </a:solidFill>
+              </a:rPr>
+              <a:t>個体</a:t>
+            </a:r>
+            <a:endParaRPr lang="en-US" sz="4800" dirty="0"/>
+          </a:p>
+        </p:txBody>
+      </p:sp>
+      <p:sp>
+        <p:nvSpPr>
+          <p:cNvPr id="3" name="Text 1"/>
+          <p:cNvSpPr/>
+          <p:nvPr/>
+        </p:nvSpPr>
+        <p:spPr>
+          <a:xfrm>
             <a:off x="0" y="914400"/>
             <a:ext cx="9144000" cy="1828800"/>
           </a:xfrm>
@@ -2432,35 +2536,33 @@
             <a:pPr algn="ctr" indent="0" marL="0">
               <a:buNone/>
             </a:pPr>
-            <a:r>
-              <a:rPr lang="en-US" sz="4800" dirty="0">
-                <a:solidFill>
-                  <a:srgbClr val="000000"/>
-                </a:solidFill>
-              </a:rPr>
-              <a:t>個体</a:t>
-            </a:r>
-            <a:endParaRPr lang="en-US" sz="4800" dirty="0"/>
-          </a:p>
-          <a:p>
-            <a:pPr algn="ctr" indent="0" marL="0">
-              <a:buNone/>
-            </a:pPr>
-            <a:r>
-              <a:rPr lang="en-US" sz="4800" dirty="0">
-                <a:solidFill>
-                  <a:srgbClr val="000000"/>
+            <a:endParaRPr lang="en-US" sz="3600" dirty="0"/>
+          </a:p>
+          <a:p>
+            <a:pPr algn="ctr" indent="0" marL="0">
+              <a:buNone/>
+            </a:pPr>
+            <a:endParaRPr lang="en-US" sz="3600" dirty="0"/>
+          </a:p>
+          <a:p>
+            <a:pPr algn="ctr" indent="0" marL="0">
+              <a:buNone/>
+            </a:pPr>
+            <a:r>
+              <a:rPr lang="en-US" sz="3600" dirty="0">
+                <a:solidFill>
+                  <a:srgbClr val="404040"/>
                 </a:solidFill>
               </a:rPr>
               <a:t>こたい</a:t>
             </a:r>
-            <a:endParaRPr lang="en-US" sz="4800" dirty="0"/>
-          </a:p>
-        </p:txBody>
-      </p:sp>
-      <p:sp>
-        <p:nvSpPr>
-          <p:cNvPr id="3" name="Text 1"/>
+            <a:endParaRPr lang="en-US" sz="3600" dirty="0"/>
+          </a:p>
+        </p:txBody>
+      </p:sp>
+      <p:sp>
+        <p:nvSpPr>
+          <p:cNvPr id="4" name="Text 2"/>
           <p:cNvSpPr/>
           <p:nvPr/>
         </p:nvSpPr>
@@ -2485,7 +2587,7 @@
             <a:r>
               <a:rPr lang="en-US" sz="3600" dirty="0">
                 <a:solidFill>
-                  <a:srgbClr val="000000"/>
+                  <a:srgbClr val="808080"/>
                 </a:solidFill>
               </a:rPr>
               <a:t>individual, specimen...</a:t>
@@ -2496,32 +2598,32 @@
       </p:sp>
       <p:sp>
         <p:nvSpPr>
-          <p:cNvPr id="4" name="Text 2"/>
-          <p:cNvSpPr/>
-          <p:nvPr/>
-        </p:nvSpPr>
-        <p:spPr>
-          <a:xfrm>
-            <a:off x="0" y="4572000"/>
-            <a:ext cx="7315200" cy="1828800"/>
-          </a:xfrm>
-          <a:prstGeom prst="rect">
-            <a:avLst/>
-          </a:prstGeom>
-          <a:noFill/>
-          <a:ln/>
-        </p:spPr>
-        <p:txBody>
-          <a:bodyPr wrap="square" rtlCol="0" anchor="ctr"/>
-          <a:lstStyle/>
-          <a:p>
-            <a:pPr algn="l" indent="0" marL="0">
+          <p:cNvPr id="5" name="Text 3"/>
+          <p:cNvSpPr/>
+          <p:nvPr/>
+        </p:nvSpPr>
+        <p:spPr>
+          <a:xfrm>
+            <a:off x="0" y="3657600"/>
+            <a:ext cx="8686800" cy="1828800"/>
+          </a:xfrm>
+          <a:prstGeom prst="rect">
+            <a:avLst/>
+          </a:prstGeom>
+          <a:noFill/>
+          <a:ln/>
+        </p:spPr>
+        <p:txBody>
+          <a:bodyPr wrap="square" rtlCol="0" anchor="ctr"/>
+          <a:lstStyle/>
+          <a:p>
+            <a:pPr algn="r" indent="0" marL="0">
               <a:buNone/>
             </a:pPr>
             <a:r>
               <a:rPr lang="en-US" sz="2400" dirty="0">
                 <a:solidFill>
-                  <a:srgbClr val="000000"/>
+                  <a:srgbClr val="808080"/>
                 </a:solidFill>
               </a:rPr>
               <a:t>466-480</a:t>
@@ -2563,6 +2665,42 @@
         </p:nvSpPr>
         <p:spPr>
           <a:xfrm>
+            <a:off x="0" y="548640"/>
+            <a:ext cx="9144000" cy="1828800"/>
+          </a:xfrm>
+          <a:prstGeom prst="rect">
+            <a:avLst/>
+          </a:prstGeom>
+          <a:noFill/>
+          <a:ln/>
+        </p:spPr>
+        <p:txBody>
+          <a:bodyPr wrap="square" rtlCol="0" anchor="ctr"/>
+          <a:lstStyle/>
+          <a:p>
+            <a:pPr algn="ctr" indent="0" marL="0">
+              <a:buNone/>
+            </a:pPr>
+            <a:r>
+              <a:rPr lang="en-US" sz="4800" dirty="0">
+                <a:solidFill>
+                  <a:srgbClr val="000000"/>
+                </a:solidFill>
+              </a:rPr>
+              <a:t>下げる</a:t>
+            </a:r>
+            <a:endParaRPr lang="en-US" sz="4800" dirty="0"/>
+          </a:p>
+        </p:txBody>
+      </p:sp>
+      <p:sp>
+        <p:nvSpPr>
+          <p:cNvPr id="3" name="Text 1"/>
+          <p:cNvSpPr/>
+          <p:nvPr/>
+        </p:nvSpPr>
+        <p:spPr>
+          <a:xfrm>
             <a:off x="0" y="914400"/>
             <a:ext cx="9144000" cy="1828800"/>
           </a:xfrm>
@@ -2579,35 +2717,33 @@
             <a:pPr algn="ctr" indent="0" marL="0">
               <a:buNone/>
             </a:pPr>
-            <a:r>
-              <a:rPr lang="en-US" sz="4800" dirty="0">
-                <a:solidFill>
-                  <a:srgbClr val="000000"/>
-                </a:solidFill>
-              </a:rPr>
-              <a:t>下げる</a:t>
-            </a:r>
-            <a:endParaRPr lang="en-US" sz="4800" dirty="0"/>
-          </a:p>
-          <a:p>
-            <a:pPr algn="ctr" indent="0" marL="0">
-              <a:buNone/>
-            </a:pPr>
-            <a:r>
-              <a:rPr lang="en-US" sz="4800" dirty="0">
-                <a:solidFill>
-                  <a:srgbClr val="000000"/>
+            <a:endParaRPr lang="en-US" sz="3600" dirty="0"/>
+          </a:p>
+          <a:p>
+            <a:pPr algn="ctr" indent="0" marL="0">
+              <a:buNone/>
+            </a:pPr>
+            <a:endParaRPr lang="en-US" sz="3600" dirty="0"/>
+          </a:p>
+          <a:p>
+            <a:pPr algn="ctr" indent="0" marL="0">
+              <a:buNone/>
+            </a:pPr>
+            <a:r>
+              <a:rPr lang="en-US" sz="3600" dirty="0">
+                <a:solidFill>
+                  <a:srgbClr val="404040"/>
                 </a:solidFill>
               </a:rPr>
               <a:t>さげる</a:t>
             </a:r>
-            <a:endParaRPr lang="en-US" sz="4800" dirty="0"/>
-          </a:p>
-        </p:txBody>
-      </p:sp>
-      <p:sp>
-        <p:nvSpPr>
-          <p:cNvPr id="3" name="Text 1"/>
+            <a:endParaRPr lang="en-US" sz="3600" dirty="0"/>
+          </a:p>
+        </p:txBody>
+      </p:sp>
+      <p:sp>
+        <p:nvSpPr>
+          <p:cNvPr id="4" name="Text 2"/>
           <p:cNvSpPr/>
           <p:nvPr/>
         </p:nvSpPr>
@@ -2632,7 +2768,7 @@
             <a:r>
               <a:rPr lang="en-US" sz="3600" dirty="0">
                 <a:solidFill>
-                  <a:srgbClr val="000000"/>
+                  <a:srgbClr val="808080"/>
                 </a:solidFill>
               </a:rPr>
               <a:t>to hang, to suspend, to wear (e.g. decoration) | to lower, to reduce, to bring down | to demote, to move back, to pull ba...</a:t>
@@ -2643,32 +2779,32 @@
       </p:sp>
       <p:sp>
         <p:nvSpPr>
-          <p:cNvPr id="4" name="Text 2"/>
-          <p:cNvSpPr/>
-          <p:nvPr/>
-        </p:nvSpPr>
-        <p:spPr>
-          <a:xfrm>
-            <a:off x="0" y="4572000"/>
-            <a:ext cx="7315200" cy="1828800"/>
-          </a:xfrm>
-          <a:prstGeom prst="rect">
-            <a:avLst/>
-          </a:prstGeom>
-          <a:noFill/>
-          <a:ln/>
-        </p:spPr>
-        <p:txBody>
-          <a:bodyPr wrap="square" rtlCol="0" anchor="ctr"/>
-          <a:lstStyle/>
-          <a:p>
-            <a:pPr algn="l" indent="0" marL="0">
+          <p:cNvPr id="5" name="Text 3"/>
+          <p:cNvSpPr/>
+          <p:nvPr/>
+        </p:nvSpPr>
+        <p:spPr>
+          <a:xfrm>
+            <a:off x="0" y="3657600"/>
+            <a:ext cx="8686800" cy="1828800"/>
+          </a:xfrm>
+          <a:prstGeom prst="rect">
+            <a:avLst/>
+          </a:prstGeom>
+          <a:noFill/>
+          <a:ln/>
+        </p:spPr>
+        <p:txBody>
+          <a:bodyPr wrap="square" rtlCol="0" anchor="ctr"/>
+          <a:lstStyle/>
+          <a:p>
+            <a:pPr algn="r" indent="0" marL="0">
               <a:buNone/>
             </a:pPr>
             <a:r>
               <a:rPr lang="en-US" sz="2400" dirty="0">
                 <a:solidFill>
-                  <a:srgbClr val="000000"/>
+                  <a:srgbClr val="808080"/>
                 </a:solidFill>
               </a:rPr>
               <a:t>466-480</a:t>
@@ -2710,6 +2846,42 @@
         </p:nvSpPr>
         <p:spPr>
           <a:xfrm>
+            <a:off x="0" y="548640"/>
+            <a:ext cx="9144000" cy="1828800"/>
+          </a:xfrm>
+          <a:prstGeom prst="rect">
+            <a:avLst/>
+          </a:prstGeom>
+          <a:noFill/>
+          <a:ln/>
+        </p:spPr>
+        <p:txBody>
+          <a:bodyPr wrap="square" rtlCol="0" anchor="ctr"/>
+          <a:lstStyle/>
+          <a:p>
+            <a:pPr algn="ctr" indent="0" marL="0">
+              <a:buNone/>
+            </a:pPr>
+            <a:r>
+              <a:rPr lang="en-US" sz="4800" dirty="0">
+                <a:solidFill>
+                  <a:srgbClr val="000000"/>
+                </a:solidFill>
+              </a:rPr>
+              <a:t>住宅</a:t>
+            </a:r>
+            <a:endParaRPr lang="en-US" sz="4800" dirty="0"/>
+          </a:p>
+        </p:txBody>
+      </p:sp>
+      <p:sp>
+        <p:nvSpPr>
+          <p:cNvPr id="3" name="Text 1"/>
+          <p:cNvSpPr/>
+          <p:nvPr/>
+        </p:nvSpPr>
+        <p:spPr>
+          <a:xfrm>
             <a:off x="0" y="914400"/>
             <a:ext cx="9144000" cy="1828800"/>
           </a:xfrm>
@@ -2726,35 +2898,33 @@
             <a:pPr algn="ctr" indent="0" marL="0">
               <a:buNone/>
             </a:pPr>
-            <a:r>
-              <a:rPr lang="en-US" sz="4800" dirty="0">
-                <a:solidFill>
-                  <a:srgbClr val="000000"/>
-                </a:solidFill>
-              </a:rPr>
-              <a:t>住宅</a:t>
-            </a:r>
-            <a:endParaRPr lang="en-US" sz="4800" dirty="0"/>
-          </a:p>
-          <a:p>
-            <a:pPr algn="ctr" indent="0" marL="0">
-              <a:buNone/>
-            </a:pPr>
-            <a:r>
-              <a:rPr lang="en-US" sz="4800" dirty="0">
-                <a:solidFill>
-                  <a:srgbClr val="000000"/>
+            <a:endParaRPr lang="en-US" sz="3600" dirty="0"/>
+          </a:p>
+          <a:p>
+            <a:pPr algn="ctr" indent="0" marL="0">
+              <a:buNone/>
+            </a:pPr>
+            <a:endParaRPr lang="en-US" sz="3600" dirty="0"/>
+          </a:p>
+          <a:p>
+            <a:pPr algn="ctr" indent="0" marL="0">
+              <a:buNone/>
+            </a:pPr>
+            <a:r>
+              <a:rPr lang="en-US" sz="3600" dirty="0">
+                <a:solidFill>
+                  <a:srgbClr val="404040"/>
                 </a:solidFill>
               </a:rPr>
               <a:t>じゅうたく</a:t>
             </a:r>
-            <a:endParaRPr lang="en-US" sz="4800" dirty="0"/>
-          </a:p>
-        </p:txBody>
-      </p:sp>
-      <p:sp>
-        <p:nvSpPr>
-          <p:cNvPr id="3" name="Text 1"/>
+            <a:endParaRPr lang="en-US" sz="3600" dirty="0"/>
+          </a:p>
+        </p:txBody>
+      </p:sp>
+      <p:sp>
+        <p:nvSpPr>
+          <p:cNvPr id="4" name="Text 2"/>
           <p:cNvSpPr/>
           <p:nvPr/>
         </p:nvSpPr>
@@ -2779,7 +2949,7 @@
             <a:r>
               <a:rPr lang="en-US" sz="3600" dirty="0">
                 <a:solidFill>
-                  <a:srgbClr val="000000"/>
+                  <a:srgbClr val="808080"/>
                 </a:solidFill>
               </a:rPr>
               <a:t>residence, housing, residential building...</a:t>
@@ -2790,32 +2960,32 @@
       </p:sp>
       <p:sp>
         <p:nvSpPr>
-          <p:cNvPr id="4" name="Text 2"/>
-          <p:cNvSpPr/>
-          <p:nvPr/>
-        </p:nvSpPr>
-        <p:spPr>
-          <a:xfrm>
-            <a:off x="0" y="4572000"/>
-            <a:ext cx="7315200" cy="1828800"/>
-          </a:xfrm>
-          <a:prstGeom prst="rect">
-            <a:avLst/>
-          </a:prstGeom>
-          <a:noFill/>
-          <a:ln/>
-        </p:spPr>
-        <p:txBody>
-          <a:bodyPr wrap="square" rtlCol="0" anchor="ctr"/>
-          <a:lstStyle/>
-          <a:p>
-            <a:pPr algn="l" indent="0" marL="0">
+          <p:cNvPr id="5" name="Text 3"/>
+          <p:cNvSpPr/>
+          <p:nvPr/>
+        </p:nvSpPr>
+        <p:spPr>
+          <a:xfrm>
+            <a:off x="0" y="3657600"/>
+            <a:ext cx="8686800" cy="1828800"/>
+          </a:xfrm>
+          <a:prstGeom prst="rect">
+            <a:avLst/>
+          </a:prstGeom>
+          <a:noFill/>
+          <a:ln/>
+        </p:spPr>
+        <p:txBody>
+          <a:bodyPr wrap="square" rtlCol="0" anchor="ctr"/>
+          <a:lstStyle/>
+          <a:p>
+            <a:pPr algn="r" indent="0" marL="0">
               <a:buNone/>
             </a:pPr>
             <a:r>
               <a:rPr lang="en-US" sz="2400" dirty="0">
                 <a:solidFill>
-                  <a:srgbClr val="000000"/>
+                  <a:srgbClr val="808080"/>
                 </a:solidFill>
               </a:rPr>
               <a:t>466-480</a:t>
@@ -2857,6 +3027,42 @@
         </p:nvSpPr>
         <p:spPr>
           <a:xfrm>
+            <a:off x="0" y="548640"/>
+            <a:ext cx="9144000" cy="1828800"/>
+          </a:xfrm>
+          <a:prstGeom prst="rect">
+            <a:avLst/>
+          </a:prstGeom>
+          <a:noFill/>
+          <a:ln/>
+        </p:spPr>
+        <p:txBody>
+          <a:bodyPr wrap="square" rtlCol="0" anchor="ctr"/>
+          <a:lstStyle/>
+          <a:p>
+            <a:pPr algn="ctr" indent="0" marL="0">
+              <a:buNone/>
+            </a:pPr>
+            <a:r>
+              <a:rPr lang="en-US" sz="4800" dirty="0">
+                <a:solidFill>
+                  <a:srgbClr val="000000"/>
+                </a:solidFill>
+              </a:rPr>
+              <a:t>進行</a:t>
+            </a:r>
+            <a:endParaRPr lang="en-US" sz="4800" dirty="0"/>
+          </a:p>
+        </p:txBody>
+      </p:sp>
+      <p:sp>
+        <p:nvSpPr>
+          <p:cNvPr id="3" name="Text 1"/>
+          <p:cNvSpPr/>
+          <p:nvPr/>
+        </p:nvSpPr>
+        <p:spPr>
+          <a:xfrm>
             <a:off x="0" y="914400"/>
             <a:ext cx="9144000" cy="1828800"/>
           </a:xfrm>
@@ -2873,35 +3079,33 @@
             <a:pPr algn="ctr" indent="0" marL="0">
               <a:buNone/>
             </a:pPr>
-            <a:r>
-              <a:rPr lang="en-US" sz="4800" dirty="0">
-                <a:solidFill>
-                  <a:srgbClr val="000000"/>
-                </a:solidFill>
-              </a:rPr>
-              <a:t>進行</a:t>
-            </a:r>
-            <a:endParaRPr lang="en-US" sz="4800" dirty="0"/>
-          </a:p>
-          <a:p>
-            <a:pPr algn="ctr" indent="0" marL="0">
-              <a:buNone/>
-            </a:pPr>
-            <a:r>
-              <a:rPr lang="en-US" sz="4800" dirty="0">
-                <a:solidFill>
-                  <a:srgbClr val="000000"/>
+            <a:endParaRPr lang="en-US" sz="3600" dirty="0"/>
+          </a:p>
+          <a:p>
+            <a:pPr algn="ctr" indent="0" marL="0">
+              <a:buNone/>
+            </a:pPr>
+            <a:endParaRPr lang="en-US" sz="3600" dirty="0"/>
+          </a:p>
+          <a:p>
+            <a:pPr algn="ctr" indent="0" marL="0">
+              <a:buNone/>
+            </a:pPr>
+            <a:r>
+              <a:rPr lang="en-US" sz="3600" dirty="0">
+                <a:solidFill>
+                  <a:srgbClr val="404040"/>
                 </a:solidFill>
               </a:rPr>
               <a:t>しんこう</a:t>
             </a:r>
-            <a:endParaRPr lang="en-US" sz="4800" dirty="0"/>
-          </a:p>
-        </p:txBody>
-      </p:sp>
-      <p:sp>
-        <p:nvSpPr>
-          <p:cNvPr id="3" name="Text 1"/>
+            <a:endParaRPr lang="en-US" sz="3600" dirty="0"/>
+          </a:p>
+        </p:txBody>
+      </p:sp>
+      <p:sp>
+        <p:nvSpPr>
+          <p:cNvPr id="4" name="Text 2"/>
           <p:cNvSpPr/>
           <p:nvPr/>
         </p:nvSpPr>
@@ -2926,7 +3130,7 @@
             <a:r>
               <a:rPr lang="en-US" sz="3600" dirty="0">
                 <a:solidFill>
-                  <a:srgbClr val="000000"/>
+                  <a:srgbClr val="808080"/>
                 </a:solidFill>
               </a:rPr>
               <a:t>moving forward (e.g. vehicle), onward movement | advance (work, procedure, etc.), advancement, progress | progress (of a ...</a:t>
@@ -2937,32 +3141,32 @@
       </p:sp>
       <p:sp>
         <p:nvSpPr>
-          <p:cNvPr id="4" name="Text 2"/>
-          <p:cNvSpPr/>
-          <p:nvPr/>
-        </p:nvSpPr>
-        <p:spPr>
-          <a:xfrm>
-            <a:off x="0" y="4572000"/>
-            <a:ext cx="7315200" cy="1828800"/>
-          </a:xfrm>
-          <a:prstGeom prst="rect">
-            <a:avLst/>
-          </a:prstGeom>
-          <a:noFill/>
-          <a:ln/>
-        </p:spPr>
-        <p:txBody>
-          <a:bodyPr wrap="square" rtlCol="0" anchor="ctr"/>
-          <a:lstStyle/>
-          <a:p>
-            <a:pPr algn="l" indent="0" marL="0">
+          <p:cNvPr id="5" name="Text 3"/>
+          <p:cNvSpPr/>
+          <p:nvPr/>
+        </p:nvSpPr>
+        <p:spPr>
+          <a:xfrm>
+            <a:off x="0" y="3657600"/>
+            <a:ext cx="8686800" cy="1828800"/>
+          </a:xfrm>
+          <a:prstGeom prst="rect">
+            <a:avLst/>
+          </a:prstGeom>
+          <a:noFill/>
+          <a:ln/>
+        </p:spPr>
+        <p:txBody>
+          <a:bodyPr wrap="square" rtlCol="0" anchor="ctr"/>
+          <a:lstStyle/>
+          <a:p>
+            <a:pPr algn="r" indent="0" marL="0">
               <a:buNone/>
             </a:pPr>
             <a:r>
               <a:rPr lang="en-US" sz="2400" dirty="0">
                 <a:solidFill>
-                  <a:srgbClr val="000000"/>
+                  <a:srgbClr val="808080"/>
                 </a:solidFill>
               </a:rPr>
               <a:t>466-480</a:t>
@@ -3004,6 +3208,42 @@
         </p:nvSpPr>
         <p:spPr>
           <a:xfrm>
+            <a:off x="0" y="548640"/>
+            <a:ext cx="9144000" cy="1828800"/>
+          </a:xfrm>
+          <a:prstGeom prst="rect">
+            <a:avLst/>
+          </a:prstGeom>
+          <a:noFill/>
+          <a:ln/>
+        </p:spPr>
+        <p:txBody>
+          <a:bodyPr wrap="square" rtlCol="0" anchor="ctr"/>
+          <a:lstStyle/>
+          <a:p>
+            <a:pPr algn="ctr" indent="0" marL="0">
+              <a:buNone/>
+            </a:pPr>
+            <a:r>
+              <a:rPr lang="en-US" sz="4800" dirty="0">
+                <a:solidFill>
+                  <a:srgbClr val="000000"/>
+                </a:solidFill>
+              </a:rPr>
+              <a:t>西洋</a:t>
+            </a:r>
+            <a:endParaRPr lang="en-US" sz="4800" dirty="0"/>
+          </a:p>
+        </p:txBody>
+      </p:sp>
+      <p:sp>
+        <p:nvSpPr>
+          <p:cNvPr id="3" name="Text 1"/>
+          <p:cNvSpPr/>
+          <p:nvPr/>
+        </p:nvSpPr>
+        <p:spPr>
+          <a:xfrm>
             <a:off x="0" y="914400"/>
             <a:ext cx="9144000" cy="1828800"/>
           </a:xfrm>
@@ -3020,35 +3260,33 @@
             <a:pPr algn="ctr" indent="0" marL="0">
               <a:buNone/>
             </a:pPr>
-            <a:r>
-              <a:rPr lang="en-US" sz="4800" dirty="0">
-                <a:solidFill>
-                  <a:srgbClr val="000000"/>
-                </a:solidFill>
-              </a:rPr>
-              <a:t>西洋</a:t>
-            </a:r>
-            <a:endParaRPr lang="en-US" sz="4800" dirty="0"/>
-          </a:p>
-          <a:p>
-            <a:pPr algn="ctr" indent="0" marL="0">
-              <a:buNone/>
-            </a:pPr>
-            <a:r>
-              <a:rPr lang="en-US" sz="4800" dirty="0">
-                <a:solidFill>
-                  <a:srgbClr val="000000"/>
+            <a:endParaRPr lang="en-US" sz="3600" dirty="0"/>
+          </a:p>
+          <a:p>
+            <a:pPr algn="ctr" indent="0" marL="0">
+              <a:buNone/>
+            </a:pPr>
+            <a:endParaRPr lang="en-US" sz="3600" dirty="0"/>
+          </a:p>
+          <a:p>
+            <a:pPr algn="ctr" indent="0" marL="0">
+              <a:buNone/>
+            </a:pPr>
+            <a:r>
+              <a:rPr lang="en-US" sz="3600" dirty="0">
+                <a:solidFill>
+                  <a:srgbClr val="404040"/>
                 </a:solidFill>
               </a:rPr>
               <a:t>せいよう</a:t>
             </a:r>
-            <a:endParaRPr lang="en-US" sz="4800" dirty="0"/>
-          </a:p>
-        </p:txBody>
-      </p:sp>
-      <p:sp>
-        <p:nvSpPr>
-          <p:cNvPr id="3" name="Text 1"/>
+            <a:endParaRPr lang="en-US" sz="3600" dirty="0"/>
+          </a:p>
+        </p:txBody>
+      </p:sp>
+      <p:sp>
+        <p:nvSpPr>
+          <p:cNvPr id="4" name="Text 2"/>
           <p:cNvSpPr/>
           <p:nvPr/>
         </p:nvSpPr>
@@ -3073,7 +3311,7 @@
             <a:r>
               <a:rPr lang="en-US" sz="3600" dirty="0">
                 <a:solidFill>
-                  <a:srgbClr val="000000"/>
+                  <a:srgbClr val="808080"/>
                 </a:solidFill>
               </a:rPr>
               <a:t>the West, the Occident, Western countries...</a:t>
@@ -3084,32 +3322,32 @@
       </p:sp>
       <p:sp>
         <p:nvSpPr>
-          <p:cNvPr id="4" name="Text 2"/>
-          <p:cNvSpPr/>
-          <p:nvPr/>
-        </p:nvSpPr>
-        <p:spPr>
-          <a:xfrm>
-            <a:off x="0" y="4572000"/>
-            <a:ext cx="7315200" cy="1828800"/>
-          </a:xfrm>
-          <a:prstGeom prst="rect">
-            <a:avLst/>
-          </a:prstGeom>
-          <a:noFill/>
-          <a:ln/>
-        </p:spPr>
-        <p:txBody>
-          <a:bodyPr wrap="square" rtlCol="0" anchor="ctr"/>
-          <a:lstStyle/>
-          <a:p>
-            <a:pPr algn="l" indent="0" marL="0">
+          <p:cNvPr id="5" name="Text 3"/>
+          <p:cNvSpPr/>
+          <p:nvPr/>
+        </p:nvSpPr>
+        <p:spPr>
+          <a:xfrm>
+            <a:off x="0" y="3657600"/>
+            <a:ext cx="8686800" cy="1828800"/>
+          </a:xfrm>
+          <a:prstGeom prst="rect">
+            <a:avLst/>
+          </a:prstGeom>
+          <a:noFill/>
+          <a:ln/>
+        </p:spPr>
+        <p:txBody>
+          <a:bodyPr wrap="square" rtlCol="0" anchor="ctr"/>
+          <a:lstStyle/>
+          <a:p>
+            <a:pPr algn="r" indent="0" marL="0">
               <a:buNone/>
             </a:pPr>
             <a:r>
               <a:rPr lang="en-US" sz="2400" dirty="0">
                 <a:solidFill>
-                  <a:srgbClr val="000000"/>
+                  <a:srgbClr val="808080"/>
                 </a:solidFill>
               </a:rPr>
               <a:t>466-480</a:t>
@@ -3151,6 +3389,42 @@
         </p:nvSpPr>
         <p:spPr>
           <a:xfrm>
+            <a:off x="0" y="548640"/>
+            <a:ext cx="9144000" cy="1828800"/>
+          </a:xfrm>
+          <a:prstGeom prst="rect">
+            <a:avLst/>
+          </a:prstGeom>
+          <a:noFill/>
+          <a:ln/>
+        </p:spPr>
+        <p:txBody>
+          <a:bodyPr wrap="square" rtlCol="0" anchor="ctr"/>
+          <a:lstStyle/>
+          <a:p>
+            <a:pPr algn="ctr" indent="0" marL="0">
+              <a:buNone/>
+            </a:pPr>
+            <a:r>
+              <a:rPr lang="en-US" sz="4800" dirty="0">
+                <a:solidFill>
+                  <a:srgbClr val="000000"/>
+                </a:solidFill>
+              </a:rPr>
+              <a:t>林業</a:t>
+            </a:r>
+            <a:endParaRPr lang="en-US" sz="4800" dirty="0"/>
+          </a:p>
+        </p:txBody>
+      </p:sp>
+      <p:sp>
+        <p:nvSpPr>
+          <p:cNvPr id="3" name="Text 1"/>
+          <p:cNvSpPr/>
+          <p:nvPr/>
+        </p:nvSpPr>
+        <p:spPr>
+          <a:xfrm>
             <a:off x="0" y="914400"/>
             <a:ext cx="9144000" cy="1828800"/>
           </a:xfrm>
@@ -3167,35 +3441,33 @@
             <a:pPr algn="ctr" indent="0" marL="0">
               <a:buNone/>
             </a:pPr>
-            <a:r>
-              <a:rPr lang="en-US" sz="4800" dirty="0">
-                <a:solidFill>
-                  <a:srgbClr val="000000"/>
-                </a:solidFill>
-              </a:rPr>
-              <a:t>林業</a:t>
-            </a:r>
-            <a:endParaRPr lang="en-US" sz="4800" dirty="0"/>
-          </a:p>
-          <a:p>
-            <a:pPr algn="ctr" indent="0" marL="0">
-              <a:buNone/>
-            </a:pPr>
-            <a:r>
-              <a:rPr lang="en-US" sz="4800" dirty="0">
-                <a:solidFill>
-                  <a:srgbClr val="000000"/>
+            <a:endParaRPr lang="en-US" sz="3600" dirty="0"/>
+          </a:p>
+          <a:p>
+            <a:pPr algn="ctr" indent="0" marL="0">
+              <a:buNone/>
+            </a:pPr>
+            <a:endParaRPr lang="en-US" sz="3600" dirty="0"/>
+          </a:p>
+          <a:p>
+            <a:pPr algn="ctr" indent="0" marL="0">
+              <a:buNone/>
+            </a:pPr>
+            <a:r>
+              <a:rPr lang="en-US" sz="3600" dirty="0">
+                <a:solidFill>
+                  <a:srgbClr val="404040"/>
                 </a:solidFill>
               </a:rPr>
               <a:t>りんぎょう</a:t>
             </a:r>
-            <a:endParaRPr lang="en-US" sz="4800" dirty="0"/>
-          </a:p>
-        </p:txBody>
-      </p:sp>
-      <p:sp>
-        <p:nvSpPr>
-          <p:cNvPr id="3" name="Text 1"/>
+            <a:endParaRPr lang="en-US" sz="3600" dirty="0"/>
+          </a:p>
+        </p:txBody>
+      </p:sp>
+      <p:sp>
+        <p:nvSpPr>
+          <p:cNvPr id="4" name="Text 2"/>
           <p:cNvSpPr/>
           <p:nvPr/>
         </p:nvSpPr>
@@ -3220,7 +3492,7 @@
             <a:r>
               <a:rPr lang="en-US" sz="3600" dirty="0">
                 <a:solidFill>
-                  <a:srgbClr val="000000"/>
+                  <a:srgbClr val="808080"/>
                 </a:solidFill>
               </a:rPr>
               <a:t>forestry...</a:t>
@@ -3231,32 +3503,32 @@
       </p:sp>
       <p:sp>
         <p:nvSpPr>
-          <p:cNvPr id="4" name="Text 2"/>
-          <p:cNvSpPr/>
-          <p:nvPr/>
-        </p:nvSpPr>
-        <p:spPr>
-          <a:xfrm>
-            <a:off x="0" y="4572000"/>
-            <a:ext cx="7315200" cy="1828800"/>
-          </a:xfrm>
-          <a:prstGeom prst="rect">
-            <a:avLst/>
-          </a:prstGeom>
-          <a:noFill/>
-          <a:ln/>
-        </p:spPr>
-        <p:txBody>
-          <a:bodyPr wrap="square" rtlCol="0" anchor="ctr"/>
-          <a:lstStyle/>
-          <a:p>
-            <a:pPr algn="l" indent="0" marL="0">
+          <p:cNvPr id="5" name="Text 3"/>
+          <p:cNvSpPr/>
+          <p:nvPr/>
+        </p:nvSpPr>
+        <p:spPr>
+          <a:xfrm>
+            <a:off x="0" y="3657600"/>
+            <a:ext cx="8686800" cy="1828800"/>
+          </a:xfrm>
+          <a:prstGeom prst="rect">
+            <a:avLst/>
+          </a:prstGeom>
+          <a:noFill/>
+          <a:ln/>
+        </p:spPr>
+        <p:txBody>
+          <a:bodyPr wrap="square" rtlCol="0" anchor="ctr"/>
+          <a:lstStyle/>
+          <a:p>
+            <a:pPr algn="r" indent="0" marL="0">
               <a:buNone/>
             </a:pPr>
             <a:r>
               <a:rPr lang="en-US" sz="2400" dirty="0">
                 <a:solidFill>
-                  <a:srgbClr val="000000"/>
+                  <a:srgbClr val="808080"/>
                 </a:solidFill>
               </a:rPr>
               <a:t>466-480</a:t>
@@ -3298,6 +3570,42 @@
         </p:nvSpPr>
         <p:spPr>
           <a:xfrm>
+            <a:off x="0" y="548640"/>
+            <a:ext cx="9144000" cy="1828800"/>
+          </a:xfrm>
+          <a:prstGeom prst="rect">
+            <a:avLst/>
+          </a:prstGeom>
+          <a:noFill/>
+          <a:ln/>
+        </p:spPr>
+        <p:txBody>
+          <a:bodyPr wrap="square" rtlCol="0" anchor="ctr"/>
+          <a:lstStyle/>
+          <a:p>
+            <a:pPr algn="ctr" indent="0" marL="0">
+              <a:buNone/>
+            </a:pPr>
+            <a:r>
+              <a:rPr lang="en-US" sz="4800" dirty="0">
+                <a:solidFill>
+                  <a:srgbClr val="000000"/>
+                </a:solidFill>
+              </a:rPr>
+              <a:t>毒</a:t>
+            </a:r>
+            <a:endParaRPr lang="en-US" sz="4800" dirty="0"/>
+          </a:p>
+        </p:txBody>
+      </p:sp>
+      <p:sp>
+        <p:nvSpPr>
+          <p:cNvPr id="3" name="Text 1"/>
+          <p:cNvSpPr/>
+          <p:nvPr/>
+        </p:nvSpPr>
+        <p:spPr>
+          <a:xfrm>
             <a:off x="0" y="914400"/>
             <a:ext cx="9144000" cy="1828800"/>
           </a:xfrm>
@@ -3314,35 +3622,33 @@
             <a:pPr algn="ctr" indent="0" marL="0">
               <a:buNone/>
             </a:pPr>
-            <a:r>
-              <a:rPr lang="en-US" sz="4800" dirty="0">
-                <a:solidFill>
-                  <a:srgbClr val="000000"/>
-                </a:solidFill>
-              </a:rPr>
-              <a:t>毒</a:t>
-            </a:r>
-            <a:endParaRPr lang="en-US" sz="4800" dirty="0"/>
-          </a:p>
-          <a:p>
-            <a:pPr algn="ctr" indent="0" marL="0">
-              <a:buNone/>
-            </a:pPr>
-            <a:r>
-              <a:rPr lang="en-US" sz="4800" dirty="0">
-                <a:solidFill>
-                  <a:srgbClr val="000000"/>
+            <a:endParaRPr lang="en-US" sz="3600" dirty="0"/>
+          </a:p>
+          <a:p>
+            <a:pPr algn="ctr" indent="0" marL="0">
+              <a:buNone/>
+            </a:pPr>
+            <a:endParaRPr lang="en-US" sz="3600" dirty="0"/>
+          </a:p>
+          <a:p>
+            <a:pPr algn="ctr" indent="0" marL="0">
+              <a:buNone/>
+            </a:pPr>
+            <a:r>
+              <a:rPr lang="en-US" sz="3600" dirty="0">
+                <a:solidFill>
+                  <a:srgbClr val="404040"/>
                 </a:solidFill>
               </a:rPr>
               <a:t>どく</a:t>
             </a:r>
-            <a:endParaRPr lang="en-US" sz="4800" dirty="0"/>
-          </a:p>
-        </p:txBody>
-      </p:sp>
-      <p:sp>
-        <p:nvSpPr>
-          <p:cNvPr id="3" name="Text 1"/>
+            <a:endParaRPr lang="en-US" sz="3600" dirty="0"/>
+          </a:p>
+        </p:txBody>
+      </p:sp>
+      <p:sp>
+        <p:nvSpPr>
+          <p:cNvPr id="4" name="Text 2"/>
           <p:cNvSpPr/>
           <p:nvPr/>
         </p:nvSpPr>
@@ -3367,7 +3673,7 @@
             <a:r>
               <a:rPr lang="en-US" sz="3600" dirty="0">
                 <a:solidFill>
-                  <a:srgbClr val="000000"/>
+                  <a:srgbClr val="808080"/>
                 </a:solidFill>
               </a:rPr>
               <a:t>poison, toxicant | harm, evil influence | ill will, spite, malice | abusive language...</a:t>
@@ -3378,32 +3684,32 @@
       </p:sp>
       <p:sp>
         <p:nvSpPr>
-          <p:cNvPr id="4" name="Text 2"/>
-          <p:cNvSpPr/>
-          <p:nvPr/>
-        </p:nvSpPr>
-        <p:spPr>
-          <a:xfrm>
-            <a:off x="0" y="4572000"/>
-            <a:ext cx="7315200" cy="1828800"/>
-          </a:xfrm>
-          <a:prstGeom prst="rect">
-            <a:avLst/>
-          </a:prstGeom>
-          <a:noFill/>
-          <a:ln/>
-        </p:spPr>
-        <p:txBody>
-          <a:bodyPr wrap="square" rtlCol="0" anchor="ctr"/>
-          <a:lstStyle/>
-          <a:p>
-            <a:pPr algn="l" indent="0" marL="0">
+          <p:cNvPr id="5" name="Text 3"/>
+          <p:cNvSpPr/>
+          <p:nvPr/>
+        </p:nvSpPr>
+        <p:spPr>
+          <a:xfrm>
+            <a:off x="0" y="3657600"/>
+            <a:ext cx="8686800" cy="1828800"/>
+          </a:xfrm>
+          <a:prstGeom prst="rect">
+            <a:avLst/>
+          </a:prstGeom>
+          <a:noFill/>
+          <a:ln/>
+        </p:spPr>
+        <p:txBody>
+          <a:bodyPr wrap="square" rtlCol="0" anchor="ctr"/>
+          <a:lstStyle/>
+          <a:p>
+            <a:pPr algn="r" indent="0" marL="0">
               <a:buNone/>
             </a:pPr>
             <a:r>
               <a:rPr lang="en-US" sz="2400" dirty="0">
                 <a:solidFill>
-                  <a:srgbClr val="000000"/>
+                  <a:srgbClr val="808080"/>
                 </a:solidFill>
               </a:rPr>
               <a:t>466-480</a:t>
@@ -3445,6 +3751,42 @@
         </p:nvSpPr>
         <p:spPr>
           <a:xfrm>
+            <a:off x="0" y="548640"/>
+            <a:ext cx="9144000" cy="1828800"/>
+          </a:xfrm>
+          <a:prstGeom prst="rect">
+            <a:avLst/>
+          </a:prstGeom>
+          <a:noFill/>
+          <a:ln/>
+        </p:spPr>
+        <p:txBody>
+          <a:bodyPr wrap="square" rtlCol="0" anchor="ctr"/>
+          <a:lstStyle/>
+          <a:p>
+            <a:pPr algn="ctr" indent="0" marL="0">
+              <a:buNone/>
+            </a:pPr>
+            <a:r>
+              <a:rPr lang="en-US" sz="4800" dirty="0">
+                <a:solidFill>
+                  <a:srgbClr val="000000"/>
+                </a:solidFill>
+              </a:rPr>
+              <a:t>獲物</a:t>
+            </a:r>
+            <a:endParaRPr lang="en-US" sz="4800" dirty="0"/>
+          </a:p>
+        </p:txBody>
+      </p:sp>
+      <p:sp>
+        <p:nvSpPr>
+          <p:cNvPr id="3" name="Text 1"/>
+          <p:cNvSpPr/>
+          <p:nvPr/>
+        </p:nvSpPr>
+        <p:spPr>
+          <a:xfrm>
             <a:off x="0" y="914400"/>
             <a:ext cx="9144000" cy="1828800"/>
           </a:xfrm>
@@ -3461,35 +3803,33 @@
             <a:pPr algn="ctr" indent="0" marL="0">
               <a:buNone/>
             </a:pPr>
-            <a:r>
-              <a:rPr lang="en-US" sz="4800" dirty="0">
-                <a:solidFill>
-                  <a:srgbClr val="000000"/>
-                </a:solidFill>
-              </a:rPr>
-              <a:t>獲物</a:t>
-            </a:r>
-            <a:endParaRPr lang="en-US" sz="4800" dirty="0"/>
-          </a:p>
-          <a:p>
-            <a:pPr algn="ctr" indent="0" marL="0">
-              <a:buNone/>
-            </a:pPr>
-            <a:r>
-              <a:rPr lang="en-US" sz="4800" dirty="0">
-                <a:solidFill>
-                  <a:srgbClr val="000000"/>
+            <a:endParaRPr lang="en-US" sz="3600" dirty="0"/>
+          </a:p>
+          <a:p>
+            <a:pPr algn="ctr" indent="0" marL="0">
+              <a:buNone/>
+            </a:pPr>
+            <a:endParaRPr lang="en-US" sz="3600" dirty="0"/>
+          </a:p>
+          <a:p>
+            <a:pPr algn="ctr" indent="0" marL="0">
+              <a:buNone/>
+            </a:pPr>
+            <a:r>
+              <a:rPr lang="en-US" sz="3600" dirty="0">
+                <a:solidFill>
+                  <a:srgbClr val="404040"/>
                 </a:solidFill>
               </a:rPr>
               <a:t>えもの</a:t>
             </a:r>
-            <a:endParaRPr lang="en-US" sz="4800" dirty="0"/>
-          </a:p>
-        </p:txBody>
-      </p:sp>
-      <p:sp>
-        <p:nvSpPr>
-          <p:cNvPr id="3" name="Text 1"/>
+            <a:endParaRPr lang="en-US" sz="3600" dirty="0"/>
+          </a:p>
+        </p:txBody>
+      </p:sp>
+      <p:sp>
+        <p:nvSpPr>
+          <p:cNvPr id="4" name="Text 2"/>
           <p:cNvSpPr/>
           <p:nvPr/>
         </p:nvSpPr>
@@ -3514,7 +3854,7 @@
             <a:r>
               <a:rPr lang="en-US" sz="3600" dirty="0">
                 <a:solidFill>
-                  <a:srgbClr val="000000"/>
+                  <a:srgbClr val="808080"/>
                 </a:solidFill>
               </a:rPr>
               <a:t>prey, catch, kill, game | spoils, trophy, loot, plunder...</a:t>
@@ -3525,32 +3865,32 @@
       </p:sp>
       <p:sp>
         <p:nvSpPr>
-          <p:cNvPr id="4" name="Text 2"/>
-          <p:cNvSpPr/>
-          <p:nvPr/>
-        </p:nvSpPr>
-        <p:spPr>
-          <a:xfrm>
-            <a:off x="0" y="4572000"/>
-            <a:ext cx="7315200" cy="1828800"/>
-          </a:xfrm>
-          <a:prstGeom prst="rect">
-            <a:avLst/>
-          </a:prstGeom>
-          <a:noFill/>
-          <a:ln/>
-        </p:spPr>
-        <p:txBody>
-          <a:bodyPr wrap="square" rtlCol="0" anchor="ctr"/>
-          <a:lstStyle/>
-          <a:p>
-            <a:pPr algn="l" indent="0" marL="0">
+          <p:cNvPr id="5" name="Text 3"/>
+          <p:cNvSpPr/>
+          <p:nvPr/>
+        </p:nvSpPr>
+        <p:spPr>
+          <a:xfrm>
+            <a:off x="0" y="3657600"/>
+            <a:ext cx="8686800" cy="1828800"/>
+          </a:xfrm>
+          <a:prstGeom prst="rect">
+            <a:avLst/>
+          </a:prstGeom>
+          <a:noFill/>
+          <a:ln/>
+        </p:spPr>
+        <p:txBody>
+          <a:bodyPr wrap="square" rtlCol="0" anchor="ctr"/>
+          <a:lstStyle/>
+          <a:p>
+            <a:pPr algn="r" indent="0" marL="0">
               <a:buNone/>
             </a:pPr>
             <a:r>
               <a:rPr lang="en-US" sz="2400" dirty="0">
                 <a:solidFill>
-                  <a:srgbClr val="000000"/>
+                  <a:srgbClr val="808080"/>
                 </a:solidFill>
               </a:rPr>
               <a:t>466-480</a:t>
@@ -3592,6 +3932,42 @@
         </p:nvSpPr>
         <p:spPr>
           <a:xfrm>
+            <a:off x="0" y="548640"/>
+            <a:ext cx="9144000" cy="1828800"/>
+          </a:xfrm>
+          <a:prstGeom prst="rect">
+            <a:avLst/>
+          </a:prstGeom>
+          <a:noFill/>
+          <a:ln/>
+        </p:spPr>
+        <p:txBody>
+          <a:bodyPr wrap="square" rtlCol="0" anchor="ctr"/>
+          <a:lstStyle/>
+          <a:p>
+            <a:pPr algn="ctr" indent="0" marL="0">
+              <a:buNone/>
+            </a:pPr>
+            <a:r>
+              <a:rPr lang="en-US" sz="4800" dirty="0">
+                <a:solidFill>
+                  <a:srgbClr val="000000"/>
+                </a:solidFill>
+              </a:rPr>
+              <a:t>嗅ぐ</a:t>
+            </a:r>
+            <a:endParaRPr lang="en-US" sz="4800" dirty="0"/>
+          </a:p>
+        </p:txBody>
+      </p:sp>
+      <p:sp>
+        <p:nvSpPr>
+          <p:cNvPr id="3" name="Text 1"/>
+          <p:cNvSpPr/>
+          <p:nvPr/>
+        </p:nvSpPr>
+        <p:spPr>
+          <a:xfrm>
             <a:off x="0" y="914400"/>
             <a:ext cx="9144000" cy="1828800"/>
           </a:xfrm>
@@ -3608,35 +3984,33 @@
             <a:pPr algn="ctr" indent="0" marL="0">
               <a:buNone/>
             </a:pPr>
-            <a:r>
-              <a:rPr lang="en-US" sz="4800" dirty="0">
-                <a:solidFill>
-                  <a:srgbClr val="000000"/>
-                </a:solidFill>
-              </a:rPr>
-              <a:t>嗅ぐ</a:t>
-            </a:r>
-            <a:endParaRPr lang="en-US" sz="4800" dirty="0"/>
-          </a:p>
-          <a:p>
-            <a:pPr algn="ctr" indent="0" marL="0">
-              <a:buNone/>
-            </a:pPr>
-            <a:r>
-              <a:rPr lang="en-US" sz="4800" dirty="0">
-                <a:solidFill>
-                  <a:srgbClr val="000000"/>
+            <a:endParaRPr lang="en-US" sz="3600" dirty="0"/>
+          </a:p>
+          <a:p>
+            <a:pPr algn="ctr" indent="0" marL="0">
+              <a:buNone/>
+            </a:pPr>
+            <a:endParaRPr lang="en-US" sz="3600" dirty="0"/>
+          </a:p>
+          <a:p>
+            <a:pPr algn="ctr" indent="0" marL="0">
+              <a:buNone/>
+            </a:pPr>
+            <a:r>
+              <a:rPr lang="en-US" sz="3600" dirty="0">
+                <a:solidFill>
+                  <a:srgbClr val="404040"/>
                 </a:solidFill>
               </a:rPr>
               <a:t>かぐ</a:t>
             </a:r>
-            <a:endParaRPr lang="en-US" sz="4800" dirty="0"/>
-          </a:p>
-        </p:txBody>
-      </p:sp>
-      <p:sp>
-        <p:nvSpPr>
-          <p:cNvPr id="3" name="Text 1"/>
+            <a:endParaRPr lang="en-US" sz="3600" dirty="0"/>
+          </a:p>
+        </p:txBody>
+      </p:sp>
+      <p:sp>
+        <p:nvSpPr>
+          <p:cNvPr id="4" name="Text 2"/>
           <p:cNvSpPr/>
           <p:nvPr/>
         </p:nvSpPr>
@@ -3661,7 +4035,7 @@
             <a:r>
               <a:rPr lang="en-US" sz="3600" dirty="0">
                 <a:solidFill>
-                  <a:srgbClr val="000000"/>
+                  <a:srgbClr val="808080"/>
                 </a:solidFill>
               </a:rPr>
               <a:t>to sniff, to smell...</a:t>
@@ -3672,32 +4046,32 @@
       </p:sp>
       <p:sp>
         <p:nvSpPr>
-          <p:cNvPr id="4" name="Text 2"/>
-          <p:cNvSpPr/>
-          <p:nvPr/>
-        </p:nvSpPr>
-        <p:spPr>
-          <a:xfrm>
-            <a:off x="0" y="4572000"/>
-            <a:ext cx="7315200" cy="1828800"/>
-          </a:xfrm>
-          <a:prstGeom prst="rect">
-            <a:avLst/>
-          </a:prstGeom>
-          <a:noFill/>
-          <a:ln/>
-        </p:spPr>
-        <p:txBody>
-          <a:bodyPr wrap="square" rtlCol="0" anchor="ctr"/>
-          <a:lstStyle/>
-          <a:p>
-            <a:pPr algn="l" indent="0" marL="0">
+          <p:cNvPr id="5" name="Text 3"/>
+          <p:cNvSpPr/>
+          <p:nvPr/>
+        </p:nvSpPr>
+        <p:spPr>
+          <a:xfrm>
+            <a:off x="0" y="3657600"/>
+            <a:ext cx="8686800" cy="1828800"/>
+          </a:xfrm>
+          <a:prstGeom prst="rect">
+            <a:avLst/>
+          </a:prstGeom>
+          <a:noFill/>
+          <a:ln/>
+        </p:spPr>
+        <p:txBody>
+          <a:bodyPr wrap="square" rtlCol="0" anchor="ctr"/>
+          <a:lstStyle/>
+          <a:p>
+            <a:pPr algn="r" indent="0" marL="0">
               <a:buNone/>
             </a:pPr>
             <a:r>
               <a:rPr lang="en-US" sz="2400" dirty="0">
                 <a:solidFill>
-                  <a:srgbClr val="000000"/>
+                  <a:srgbClr val="808080"/>
                 </a:solidFill>
               </a:rPr>
               <a:t>466-480</a:t>
@@ -3739,6 +4113,42 @@
         </p:nvSpPr>
         <p:spPr>
           <a:xfrm>
+            <a:off x="0" y="548640"/>
+            <a:ext cx="9144000" cy="1828800"/>
+          </a:xfrm>
+          <a:prstGeom prst="rect">
+            <a:avLst/>
+          </a:prstGeom>
+          <a:noFill/>
+          <a:ln/>
+        </p:spPr>
+        <p:txBody>
+          <a:bodyPr wrap="square" rtlCol="0" anchor="ctr"/>
+          <a:lstStyle/>
+          <a:p>
+            <a:pPr algn="ctr" indent="0" marL="0">
+              <a:buNone/>
+            </a:pPr>
+            <a:r>
+              <a:rPr lang="en-US" sz="4800" dirty="0">
+                <a:solidFill>
+                  <a:srgbClr val="000000"/>
+                </a:solidFill>
+              </a:rPr>
+              <a:t>獲得</a:t>
+            </a:r>
+            <a:endParaRPr lang="en-US" sz="4800" dirty="0"/>
+          </a:p>
+        </p:txBody>
+      </p:sp>
+      <p:sp>
+        <p:nvSpPr>
+          <p:cNvPr id="3" name="Text 1"/>
+          <p:cNvSpPr/>
+          <p:nvPr/>
+        </p:nvSpPr>
+        <p:spPr>
+          <a:xfrm>
             <a:off x="0" y="914400"/>
             <a:ext cx="9144000" cy="1828800"/>
           </a:xfrm>
@@ -3755,35 +4165,33 @@
             <a:pPr algn="ctr" indent="0" marL="0">
               <a:buNone/>
             </a:pPr>
-            <a:r>
-              <a:rPr lang="en-US" sz="4800" dirty="0">
-                <a:solidFill>
-                  <a:srgbClr val="000000"/>
-                </a:solidFill>
-              </a:rPr>
-              <a:t>獲得</a:t>
-            </a:r>
-            <a:endParaRPr lang="en-US" sz="4800" dirty="0"/>
-          </a:p>
-          <a:p>
-            <a:pPr algn="ctr" indent="0" marL="0">
-              <a:buNone/>
-            </a:pPr>
-            <a:r>
-              <a:rPr lang="en-US" sz="4800" dirty="0">
-                <a:solidFill>
-                  <a:srgbClr val="000000"/>
+            <a:endParaRPr lang="en-US" sz="3600" dirty="0"/>
+          </a:p>
+          <a:p>
+            <a:pPr algn="ctr" indent="0" marL="0">
+              <a:buNone/>
+            </a:pPr>
+            <a:endParaRPr lang="en-US" sz="3600" dirty="0"/>
+          </a:p>
+          <a:p>
+            <a:pPr algn="ctr" indent="0" marL="0">
+              <a:buNone/>
+            </a:pPr>
+            <a:r>
+              <a:rPr lang="en-US" sz="3600" dirty="0">
+                <a:solidFill>
+                  <a:srgbClr val="404040"/>
                 </a:solidFill>
               </a:rPr>
               <a:t>かくとく</a:t>
             </a:r>
-            <a:endParaRPr lang="en-US" sz="4800" dirty="0"/>
-          </a:p>
-        </p:txBody>
-      </p:sp>
-      <p:sp>
-        <p:nvSpPr>
-          <p:cNvPr id="3" name="Text 1"/>
+            <a:endParaRPr lang="en-US" sz="3600" dirty="0"/>
+          </a:p>
+        </p:txBody>
+      </p:sp>
+      <p:sp>
+        <p:nvSpPr>
+          <p:cNvPr id="4" name="Text 2"/>
           <p:cNvSpPr/>
           <p:nvPr/>
         </p:nvSpPr>
@@ -3808,7 +4216,7 @@
             <a:r>
               <a:rPr lang="en-US" sz="3600" dirty="0">
                 <a:solidFill>
-                  <a:srgbClr val="000000"/>
+                  <a:srgbClr val="808080"/>
                 </a:solidFill>
               </a:rPr>
               <a:t>acquisition, possession...</a:t>
@@ -3819,32 +4227,32 @@
       </p:sp>
       <p:sp>
         <p:nvSpPr>
-          <p:cNvPr id="4" name="Text 2"/>
-          <p:cNvSpPr/>
-          <p:nvPr/>
-        </p:nvSpPr>
-        <p:spPr>
-          <a:xfrm>
-            <a:off x="0" y="4572000"/>
-            <a:ext cx="7315200" cy="1828800"/>
-          </a:xfrm>
-          <a:prstGeom prst="rect">
-            <a:avLst/>
-          </a:prstGeom>
-          <a:noFill/>
-          <a:ln/>
-        </p:spPr>
-        <p:txBody>
-          <a:bodyPr wrap="square" rtlCol="0" anchor="ctr"/>
-          <a:lstStyle/>
-          <a:p>
-            <a:pPr algn="l" indent="0" marL="0">
+          <p:cNvPr id="5" name="Text 3"/>
+          <p:cNvSpPr/>
+          <p:nvPr/>
+        </p:nvSpPr>
+        <p:spPr>
+          <a:xfrm>
+            <a:off x="0" y="3657600"/>
+            <a:ext cx="8686800" cy="1828800"/>
+          </a:xfrm>
+          <a:prstGeom prst="rect">
+            <a:avLst/>
+          </a:prstGeom>
+          <a:noFill/>
+          <a:ln/>
+        </p:spPr>
+        <p:txBody>
+          <a:bodyPr wrap="square" rtlCol="0" anchor="ctr"/>
+          <a:lstStyle/>
+          <a:p>
+            <a:pPr algn="r" indent="0" marL="0">
               <a:buNone/>
             </a:pPr>
             <a:r>
               <a:rPr lang="en-US" sz="2400" dirty="0">
                 <a:solidFill>
-                  <a:srgbClr val="000000"/>
+                  <a:srgbClr val="808080"/>
                 </a:solidFill>
               </a:rPr>
               <a:t>466-480</a:t>
@@ -3886,6 +4294,42 @@
         </p:nvSpPr>
         <p:spPr>
           <a:xfrm>
+            <a:off x="0" y="548640"/>
+            <a:ext cx="9144000" cy="1828800"/>
+          </a:xfrm>
+          <a:prstGeom prst="rect">
+            <a:avLst/>
+          </a:prstGeom>
+          <a:noFill/>
+          <a:ln/>
+        </p:spPr>
+        <p:txBody>
+          <a:bodyPr wrap="square" rtlCol="0" anchor="ctr"/>
+          <a:lstStyle/>
+          <a:p>
+            <a:pPr algn="ctr" indent="0" marL="0">
+              <a:buNone/>
+            </a:pPr>
+            <a:r>
+              <a:rPr lang="en-US" sz="4800" dirty="0">
+                <a:solidFill>
+                  <a:srgbClr val="000000"/>
+                </a:solidFill>
+              </a:rPr>
+              <a:t>活性</a:t>
+            </a:r>
+            <a:endParaRPr lang="en-US" sz="4800" dirty="0"/>
+          </a:p>
+        </p:txBody>
+      </p:sp>
+      <p:sp>
+        <p:nvSpPr>
+          <p:cNvPr id="3" name="Text 1"/>
+          <p:cNvSpPr/>
+          <p:nvPr/>
+        </p:nvSpPr>
+        <p:spPr>
+          <a:xfrm>
             <a:off x="0" y="914400"/>
             <a:ext cx="9144000" cy="1828800"/>
           </a:xfrm>
@@ -3902,35 +4346,33 @@
             <a:pPr algn="ctr" indent="0" marL="0">
               <a:buNone/>
             </a:pPr>
-            <a:r>
-              <a:rPr lang="en-US" sz="4800" dirty="0">
-                <a:solidFill>
-                  <a:srgbClr val="000000"/>
-                </a:solidFill>
-              </a:rPr>
-              <a:t>活性</a:t>
-            </a:r>
-            <a:endParaRPr lang="en-US" sz="4800" dirty="0"/>
-          </a:p>
-          <a:p>
-            <a:pPr algn="ctr" indent="0" marL="0">
-              <a:buNone/>
-            </a:pPr>
-            <a:r>
-              <a:rPr lang="en-US" sz="4800" dirty="0">
-                <a:solidFill>
-                  <a:srgbClr val="000000"/>
+            <a:endParaRPr lang="en-US" sz="3600" dirty="0"/>
+          </a:p>
+          <a:p>
+            <a:pPr algn="ctr" indent="0" marL="0">
+              <a:buNone/>
+            </a:pPr>
+            <a:endParaRPr lang="en-US" sz="3600" dirty="0"/>
+          </a:p>
+          <a:p>
+            <a:pPr algn="ctr" indent="0" marL="0">
+              <a:buNone/>
+            </a:pPr>
+            <a:r>
+              <a:rPr lang="en-US" sz="3600" dirty="0">
+                <a:solidFill>
+                  <a:srgbClr val="404040"/>
                 </a:solidFill>
               </a:rPr>
               <a:t>かっせい</a:t>
             </a:r>
-            <a:endParaRPr lang="en-US" sz="4800" dirty="0"/>
-          </a:p>
-        </p:txBody>
-      </p:sp>
-      <p:sp>
-        <p:nvSpPr>
-          <p:cNvPr id="3" name="Text 1"/>
+            <a:endParaRPr lang="en-US" sz="3600" dirty="0"/>
+          </a:p>
+        </p:txBody>
+      </p:sp>
+      <p:sp>
+        <p:nvSpPr>
+          <p:cNvPr id="4" name="Text 2"/>
           <p:cNvSpPr/>
           <p:nvPr/>
         </p:nvSpPr>
@@ -3955,7 +4397,7 @@
             <a:r>
               <a:rPr lang="en-US" sz="3600" dirty="0">
                 <a:solidFill>
-                  <a:srgbClr val="000000"/>
+                  <a:srgbClr val="808080"/>
                 </a:solidFill>
               </a:rPr>
               <a:t>active...</a:t>
@@ -3966,32 +4408,32 @@
       </p:sp>
       <p:sp>
         <p:nvSpPr>
-          <p:cNvPr id="4" name="Text 2"/>
-          <p:cNvSpPr/>
-          <p:nvPr/>
-        </p:nvSpPr>
-        <p:spPr>
-          <a:xfrm>
-            <a:off x="0" y="4572000"/>
-            <a:ext cx="7315200" cy="1828800"/>
-          </a:xfrm>
-          <a:prstGeom prst="rect">
-            <a:avLst/>
-          </a:prstGeom>
-          <a:noFill/>
-          <a:ln/>
-        </p:spPr>
-        <p:txBody>
-          <a:bodyPr wrap="square" rtlCol="0" anchor="ctr"/>
-          <a:lstStyle/>
-          <a:p>
-            <a:pPr algn="l" indent="0" marL="0">
+          <p:cNvPr id="5" name="Text 3"/>
+          <p:cNvSpPr/>
+          <p:nvPr/>
+        </p:nvSpPr>
+        <p:spPr>
+          <a:xfrm>
+            <a:off x="0" y="3657600"/>
+            <a:ext cx="8686800" cy="1828800"/>
+          </a:xfrm>
+          <a:prstGeom prst="rect">
+            <a:avLst/>
+          </a:prstGeom>
+          <a:noFill/>
+          <a:ln/>
+        </p:spPr>
+        <p:txBody>
+          <a:bodyPr wrap="square" rtlCol="0" anchor="ctr"/>
+          <a:lstStyle/>
+          <a:p>
+            <a:pPr algn="r" indent="0" marL="0">
               <a:buNone/>
             </a:pPr>
             <a:r>
               <a:rPr lang="en-US" sz="2400" dirty="0">
                 <a:solidFill>
-                  <a:srgbClr val="000000"/>
+                  <a:srgbClr val="808080"/>
                 </a:solidFill>
               </a:rPr>
               <a:t>466-480</a:t>
@@ -4033,6 +4475,42 @@
         </p:nvSpPr>
         <p:spPr>
           <a:xfrm>
+            <a:off x="0" y="548640"/>
+            <a:ext cx="9144000" cy="1828800"/>
+          </a:xfrm>
+          <a:prstGeom prst="rect">
+            <a:avLst/>
+          </a:prstGeom>
+          <a:noFill/>
+          <a:ln/>
+        </p:spPr>
+        <p:txBody>
+          <a:bodyPr wrap="square" rtlCol="0" anchor="ctr"/>
+          <a:lstStyle/>
+          <a:p>
+            <a:pPr algn="ctr" indent="0" marL="0">
+              <a:buNone/>
+            </a:pPr>
+            <a:r>
+              <a:rPr lang="en-US" sz="4800" dirty="0">
+                <a:solidFill>
+                  <a:srgbClr val="000000"/>
+                </a:solidFill>
+              </a:rPr>
+              <a:t>期限</a:t>
+            </a:r>
+            <a:endParaRPr lang="en-US" sz="4800" dirty="0"/>
+          </a:p>
+        </p:txBody>
+      </p:sp>
+      <p:sp>
+        <p:nvSpPr>
+          <p:cNvPr id="3" name="Text 1"/>
+          <p:cNvSpPr/>
+          <p:nvPr/>
+        </p:nvSpPr>
+        <p:spPr>
+          <a:xfrm>
             <a:off x="0" y="914400"/>
             <a:ext cx="9144000" cy="1828800"/>
           </a:xfrm>
@@ -4049,35 +4527,33 @@
             <a:pPr algn="ctr" indent="0" marL="0">
               <a:buNone/>
             </a:pPr>
-            <a:r>
-              <a:rPr lang="en-US" sz="4800" dirty="0">
-                <a:solidFill>
-                  <a:srgbClr val="000000"/>
-                </a:solidFill>
-              </a:rPr>
-              <a:t>期限</a:t>
-            </a:r>
-            <a:endParaRPr lang="en-US" sz="4800" dirty="0"/>
-          </a:p>
-          <a:p>
-            <a:pPr algn="ctr" indent="0" marL="0">
-              <a:buNone/>
-            </a:pPr>
-            <a:r>
-              <a:rPr lang="en-US" sz="4800" dirty="0">
-                <a:solidFill>
-                  <a:srgbClr val="000000"/>
+            <a:endParaRPr lang="en-US" sz="3600" dirty="0"/>
+          </a:p>
+          <a:p>
+            <a:pPr algn="ctr" indent="0" marL="0">
+              <a:buNone/>
+            </a:pPr>
+            <a:endParaRPr lang="en-US" sz="3600" dirty="0"/>
+          </a:p>
+          <a:p>
+            <a:pPr algn="ctr" indent="0" marL="0">
+              <a:buNone/>
+            </a:pPr>
+            <a:r>
+              <a:rPr lang="en-US" sz="3600" dirty="0">
+                <a:solidFill>
+                  <a:srgbClr val="404040"/>
                 </a:solidFill>
               </a:rPr>
               <a:t>きげん</a:t>
             </a:r>
-            <a:endParaRPr lang="en-US" sz="4800" dirty="0"/>
-          </a:p>
-        </p:txBody>
-      </p:sp>
-      <p:sp>
-        <p:nvSpPr>
-          <p:cNvPr id="3" name="Text 1"/>
+            <a:endParaRPr lang="en-US" sz="3600" dirty="0"/>
+          </a:p>
+        </p:txBody>
+      </p:sp>
+      <p:sp>
+        <p:nvSpPr>
+          <p:cNvPr id="4" name="Text 2"/>
           <p:cNvSpPr/>
           <p:nvPr/>
         </p:nvSpPr>
@@ -4102,7 +4578,7 @@
             <a:r>
               <a:rPr lang="en-US" sz="3600" dirty="0">
                 <a:solidFill>
-                  <a:srgbClr val="000000"/>
+                  <a:srgbClr val="808080"/>
                 </a:solidFill>
               </a:rPr>
               <a:t>term, period, time frame | time limit, deadline, cutoff (date)...</a:t>
@@ -4113,32 +4589,32 @@
       </p:sp>
       <p:sp>
         <p:nvSpPr>
-          <p:cNvPr id="4" name="Text 2"/>
-          <p:cNvSpPr/>
-          <p:nvPr/>
-        </p:nvSpPr>
-        <p:spPr>
-          <a:xfrm>
-            <a:off x="0" y="4572000"/>
-            <a:ext cx="7315200" cy="1828800"/>
-          </a:xfrm>
-          <a:prstGeom prst="rect">
-            <a:avLst/>
-          </a:prstGeom>
-          <a:noFill/>
-          <a:ln/>
-        </p:spPr>
-        <p:txBody>
-          <a:bodyPr wrap="square" rtlCol="0" anchor="ctr"/>
-          <a:lstStyle/>
-          <a:p>
-            <a:pPr algn="l" indent="0" marL="0">
+          <p:cNvPr id="5" name="Text 3"/>
+          <p:cNvSpPr/>
+          <p:nvPr/>
+        </p:nvSpPr>
+        <p:spPr>
+          <a:xfrm>
+            <a:off x="0" y="3657600"/>
+            <a:ext cx="8686800" cy="1828800"/>
+          </a:xfrm>
+          <a:prstGeom prst="rect">
+            <a:avLst/>
+          </a:prstGeom>
+          <a:noFill/>
+          <a:ln/>
+        </p:spPr>
+        <p:txBody>
+          <a:bodyPr wrap="square" rtlCol="0" anchor="ctr"/>
+          <a:lstStyle/>
+          <a:p>
+            <a:pPr algn="r" indent="0" marL="0">
               <a:buNone/>
             </a:pPr>
             <a:r>
               <a:rPr lang="en-US" sz="2400" dirty="0">
                 <a:solidFill>
-                  <a:srgbClr val="000000"/>
+                  <a:srgbClr val="808080"/>
                 </a:solidFill>
               </a:rPr>
               <a:t>466-480</a:t>
@@ -4180,6 +4656,42 @@
         </p:nvSpPr>
         <p:spPr>
           <a:xfrm>
+            <a:off x="0" y="548640"/>
+            <a:ext cx="9144000" cy="1828800"/>
+          </a:xfrm>
+          <a:prstGeom prst="rect">
+            <a:avLst/>
+          </a:prstGeom>
+          <a:noFill/>
+          <a:ln/>
+        </p:spPr>
+        <p:txBody>
+          <a:bodyPr wrap="square" rtlCol="0" anchor="ctr"/>
+          <a:lstStyle/>
+          <a:p>
+            <a:pPr algn="ctr" indent="0" marL="0">
+              <a:buNone/>
+            </a:pPr>
+            <a:r>
+              <a:rPr lang="en-US" sz="4800" dirty="0">
+                <a:solidFill>
+                  <a:srgbClr val="000000"/>
+                </a:solidFill>
+              </a:rPr>
+              <a:t>業者</a:t>
+            </a:r>
+            <a:endParaRPr lang="en-US" sz="4800" dirty="0"/>
+          </a:p>
+        </p:txBody>
+      </p:sp>
+      <p:sp>
+        <p:nvSpPr>
+          <p:cNvPr id="3" name="Text 1"/>
+          <p:cNvSpPr/>
+          <p:nvPr/>
+        </p:nvSpPr>
+        <p:spPr>
+          <a:xfrm>
             <a:off x="0" y="914400"/>
             <a:ext cx="9144000" cy="1828800"/>
           </a:xfrm>
@@ -4196,35 +4708,33 @@
             <a:pPr algn="ctr" indent="0" marL="0">
               <a:buNone/>
             </a:pPr>
-            <a:r>
-              <a:rPr lang="en-US" sz="4800" dirty="0">
-                <a:solidFill>
-                  <a:srgbClr val="000000"/>
-                </a:solidFill>
-              </a:rPr>
-              <a:t>業者</a:t>
-            </a:r>
-            <a:endParaRPr lang="en-US" sz="4800" dirty="0"/>
-          </a:p>
-          <a:p>
-            <a:pPr algn="ctr" indent="0" marL="0">
-              <a:buNone/>
-            </a:pPr>
-            <a:r>
-              <a:rPr lang="en-US" sz="4800" dirty="0">
-                <a:solidFill>
-                  <a:srgbClr val="000000"/>
+            <a:endParaRPr lang="en-US" sz="3600" dirty="0"/>
+          </a:p>
+          <a:p>
+            <a:pPr algn="ctr" indent="0" marL="0">
+              <a:buNone/>
+            </a:pPr>
+            <a:endParaRPr lang="en-US" sz="3600" dirty="0"/>
+          </a:p>
+          <a:p>
+            <a:pPr algn="ctr" indent="0" marL="0">
+              <a:buNone/>
+            </a:pPr>
+            <a:r>
+              <a:rPr lang="en-US" sz="3600" dirty="0">
+                <a:solidFill>
+                  <a:srgbClr val="404040"/>
                 </a:solidFill>
               </a:rPr>
               <a:t>ぎょうしゃ</a:t>
             </a:r>
-            <a:endParaRPr lang="en-US" sz="4800" dirty="0"/>
-          </a:p>
-        </p:txBody>
-      </p:sp>
-      <p:sp>
-        <p:nvSpPr>
-          <p:cNvPr id="3" name="Text 1"/>
+            <a:endParaRPr lang="en-US" sz="3600" dirty="0"/>
+          </a:p>
+        </p:txBody>
+      </p:sp>
+      <p:sp>
+        <p:nvSpPr>
+          <p:cNvPr id="4" name="Text 2"/>
           <p:cNvSpPr/>
           <p:nvPr/>
         </p:nvSpPr>
@@ -4249,7 +4759,7 @@
             <a:r>
               <a:rPr lang="en-US" sz="3600" dirty="0">
                 <a:solidFill>
-                  <a:srgbClr val="000000"/>
+                  <a:srgbClr val="808080"/>
                 </a:solidFill>
               </a:rPr>
               <a:t>trader, dealer, businessperson, company, vendor, supplier, manufacturer, maker, contractor | fellow trader, people in the...</a:t>
@@ -4260,32 +4770,32 @@
       </p:sp>
       <p:sp>
         <p:nvSpPr>
-          <p:cNvPr id="4" name="Text 2"/>
-          <p:cNvSpPr/>
-          <p:nvPr/>
-        </p:nvSpPr>
-        <p:spPr>
-          <a:xfrm>
-            <a:off x="0" y="4572000"/>
-            <a:ext cx="7315200" cy="1828800"/>
-          </a:xfrm>
-          <a:prstGeom prst="rect">
-            <a:avLst/>
-          </a:prstGeom>
-          <a:noFill/>
-          <a:ln/>
-        </p:spPr>
-        <p:txBody>
-          <a:bodyPr wrap="square" rtlCol="0" anchor="ctr"/>
-          <a:lstStyle/>
-          <a:p>
-            <a:pPr algn="l" indent="0" marL="0">
+          <p:cNvPr id="5" name="Text 3"/>
+          <p:cNvSpPr/>
+          <p:nvPr/>
+        </p:nvSpPr>
+        <p:spPr>
+          <a:xfrm>
+            <a:off x="0" y="3657600"/>
+            <a:ext cx="8686800" cy="1828800"/>
+          </a:xfrm>
+          <a:prstGeom prst="rect">
+            <a:avLst/>
+          </a:prstGeom>
+          <a:noFill/>
+          <a:ln/>
+        </p:spPr>
+        <p:txBody>
+          <a:bodyPr wrap="square" rtlCol="0" anchor="ctr"/>
+          <a:lstStyle/>
+          <a:p>
+            <a:pPr algn="r" indent="0" marL="0">
               <a:buNone/>
             </a:pPr>
             <a:r>
               <a:rPr lang="en-US" sz="2400" dirty="0">
                 <a:solidFill>
-                  <a:srgbClr val="000000"/>
+                  <a:srgbClr val="808080"/>
                 </a:solidFill>
               </a:rPr>
               <a:t>466-480</a:t>
